--- a/Python-Slides/Looping-Statements-Session#9.pptx
+++ b/Python-Slides/Looping-Statements-Session#9.pptx
@@ -9,8 +9,8 @@
     <p:sldId id="257" r:id="rId3"/>
     <p:sldId id="258" r:id="rId4"/>
     <p:sldId id="259" r:id="rId5"/>
-    <p:sldId id="260" r:id="rId6"/>
-    <p:sldId id="261" r:id="rId7"/>
+    <p:sldId id="270" r:id="rId6"/>
+    <p:sldId id="260" r:id="rId7"/>
     <p:sldId id="267" r:id="rId8"/>
     <p:sldId id="262" r:id="rId9"/>
     <p:sldId id="263" r:id="rId10"/>
@@ -18,7 +18,13 @@
     <p:sldId id="264" r:id="rId12"/>
     <p:sldId id="265" r:id="rId13"/>
     <p:sldId id="266" r:id="rId14"/>
-    <p:sldId id="269" r:id="rId15"/>
+    <p:sldId id="272" r:id="rId15"/>
+    <p:sldId id="261" r:id="rId16"/>
+    <p:sldId id="271" r:id="rId17"/>
+    <p:sldId id="269" r:id="rId18"/>
+    <p:sldId id="273" r:id="rId19"/>
+    <p:sldId id="274" r:id="rId20"/>
+    <p:sldId id="275" r:id="rId21"/>
   </p:sldIdLst>
   <p:sldSz cx="12192000" cy="6858000"/>
   <p:notesSz cx="6858000" cy="9144000"/>
@@ -274,7 +280,7 @@
           <a:p>
             <a:fld id="{712B5D24-FE98-430F-896D-0EED682EE6F8}" type="datetimeFigureOut">
               <a:rPr lang="en-IN" smtClean="0"/>
-              <a:t>28-11-2020</a:t>
+              <a:t>23-07-2021</a:t>
             </a:fld>
             <a:endParaRPr lang="en-IN"/>
           </a:p>
@@ -474,7 +480,7 @@
           <a:p>
             <a:fld id="{712B5D24-FE98-430F-896D-0EED682EE6F8}" type="datetimeFigureOut">
               <a:rPr lang="en-IN" smtClean="0"/>
-              <a:t>28-11-2020</a:t>
+              <a:t>23-07-2021</a:t>
             </a:fld>
             <a:endParaRPr lang="en-IN"/>
           </a:p>
@@ -684,7 +690,7 @@
           <a:p>
             <a:fld id="{712B5D24-FE98-430F-896D-0EED682EE6F8}" type="datetimeFigureOut">
               <a:rPr lang="en-IN" smtClean="0"/>
-              <a:t>28-11-2020</a:t>
+              <a:t>23-07-2021</a:t>
             </a:fld>
             <a:endParaRPr lang="en-IN"/>
           </a:p>
@@ -884,7 +890,7 @@
           <a:p>
             <a:fld id="{712B5D24-FE98-430F-896D-0EED682EE6F8}" type="datetimeFigureOut">
               <a:rPr lang="en-IN" smtClean="0"/>
-              <a:t>28-11-2020</a:t>
+              <a:t>23-07-2021</a:t>
             </a:fld>
             <a:endParaRPr lang="en-IN"/>
           </a:p>
@@ -1160,7 +1166,7 @@
           <a:p>
             <a:fld id="{712B5D24-FE98-430F-896D-0EED682EE6F8}" type="datetimeFigureOut">
               <a:rPr lang="en-IN" smtClean="0"/>
-              <a:t>28-11-2020</a:t>
+              <a:t>23-07-2021</a:t>
             </a:fld>
             <a:endParaRPr lang="en-IN"/>
           </a:p>
@@ -1428,7 +1434,7 @@
           <a:p>
             <a:fld id="{712B5D24-FE98-430F-896D-0EED682EE6F8}" type="datetimeFigureOut">
               <a:rPr lang="en-IN" smtClean="0"/>
-              <a:t>28-11-2020</a:t>
+              <a:t>23-07-2021</a:t>
             </a:fld>
             <a:endParaRPr lang="en-IN"/>
           </a:p>
@@ -1843,7 +1849,7 @@
           <a:p>
             <a:fld id="{712B5D24-FE98-430F-896D-0EED682EE6F8}" type="datetimeFigureOut">
               <a:rPr lang="en-IN" smtClean="0"/>
-              <a:t>28-11-2020</a:t>
+              <a:t>23-07-2021</a:t>
             </a:fld>
             <a:endParaRPr lang="en-IN"/>
           </a:p>
@@ -1985,7 +1991,7 @@
           <a:p>
             <a:fld id="{712B5D24-FE98-430F-896D-0EED682EE6F8}" type="datetimeFigureOut">
               <a:rPr lang="en-IN" smtClean="0"/>
-              <a:t>28-11-2020</a:t>
+              <a:t>23-07-2021</a:t>
             </a:fld>
             <a:endParaRPr lang="en-IN"/>
           </a:p>
@@ -2098,7 +2104,7 @@
           <a:p>
             <a:fld id="{712B5D24-FE98-430F-896D-0EED682EE6F8}" type="datetimeFigureOut">
               <a:rPr lang="en-IN" smtClean="0"/>
-              <a:t>28-11-2020</a:t>
+              <a:t>23-07-2021</a:t>
             </a:fld>
             <a:endParaRPr lang="en-IN"/>
           </a:p>
@@ -2411,7 +2417,7 @@
           <a:p>
             <a:fld id="{712B5D24-FE98-430F-896D-0EED682EE6F8}" type="datetimeFigureOut">
               <a:rPr lang="en-IN" smtClean="0"/>
-              <a:t>28-11-2020</a:t>
+              <a:t>23-07-2021</a:t>
             </a:fld>
             <a:endParaRPr lang="en-IN"/>
           </a:p>
@@ -2700,7 +2706,7 @@
           <a:p>
             <a:fld id="{712B5D24-FE98-430F-896D-0EED682EE6F8}" type="datetimeFigureOut">
               <a:rPr lang="en-IN" smtClean="0"/>
-              <a:t>28-11-2020</a:t>
+              <a:t>23-07-2021</a:t>
             </a:fld>
             <a:endParaRPr lang="en-IN"/>
           </a:p>
@@ -2943,7 +2949,7 @@
           <a:p>
             <a:fld id="{712B5D24-FE98-430F-896D-0EED682EE6F8}" type="datetimeFigureOut">
               <a:rPr lang="en-IN" smtClean="0"/>
-              <a:t>28-11-2020</a:t>
+              <a:t>23-07-2021</a:t>
             </a:fld>
             <a:endParaRPr lang="en-IN"/>
           </a:p>
@@ -3379,7 +3385,7 @@
         <p:spPr>
           <a:xfrm>
             <a:off x="1000217" y="527560"/>
-            <a:ext cx="7992862" cy="635416"/>
+            <a:ext cx="8987162" cy="635416"/>
           </a:xfrm>
         </p:spPr>
         <p:txBody>
@@ -3391,7 +3397,7 @@
             <a:pPr algn="l"/>
             <a:r>
               <a:rPr lang="en-US" dirty="0"/>
-              <a:t>Looping Statements</a:t>
+              <a:t>Looping Statements in Python</a:t>
             </a:r>
             <a:endParaRPr lang="en-IN" dirty="0"/>
           </a:p>
@@ -3499,7 +3505,10 @@
             <a:ext cx="3539997" cy="1802167"/>
           </a:xfrm>
           <a:prstGeom prst="cloudCallout">
-            <a:avLst/>
+            <a:avLst>
+              <a:gd name="adj1" fmla="val -49171"/>
+              <a:gd name="adj2" fmla="val 56589"/>
+            </a:avLst>
           </a:prstGeom>
         </p:spPr>
         <p:style>
@@ -3679,11 +3688,7 @@
           <a:p>
             <a:r>
               <a:rPr lang="en-US" dirty="0"/>
-              <a:t>For loop with </a:t>
-            </a:r>
-            <a:r>
-              <a:rPr lang="en-US" dirty="0" err="1"/>
-              <a:t>List,Tuple,Dictionary</a:t>
+              <a:t>For loop with List, Tuple, Dictionary</a:t>
             </a:r>
             <a:endParaRPr lang="en-IN" dirty="0"/>
           </a:p>
@@ -3707,8 +3712,8 @@
         </p:nvSpPr>
         <p:spPr>
           <a:xfrm>
-            <a:off x="949910" y="994300"/>
-            <a:ext cx="10403889" cy="5726096"/>
+            <a:off x="488272" y="994299"/>
+            <a:ext cx="11703728" cy="5743851"/>
           </a:xfrm>
         </p:spPr>
         <p:txBody>
@@ -3766,15 +3771,27 @@
               <a:buNone/>
             </a:pPr>
             <a:r>
-              <a:rPr lang="en-US" dirty="0"/>
+              <a:rPr lang="en-US" b="1" dirty="0">
+                <a:solidFill>
+                  <a:srgbClr val="FF0000"/>
+                </a:solidFill>
+              </a:rPr>
               <a:t>#To access values from </a:t>
             </a:r>
             <a:r>
-              <a:rPr lang="en-US" dirty="0" err="1"/>
+              <a:rPr lang="en-US" b="1" dirty="0" err="1">
+                <a:solidFill>
+                  <a:srgbClr val="FF0000"/>
+                </a:solidFill>
+              </a:rPr>
               <a:t>list,Tuple,Set,String</a:t>
             </a:r>
             <a:r>
-              <a:rPr lang="en-US" dirty="0"/>
+              <a:rPr lang="en-US" b="1" dirty="0">
+                <a:solidFill>
+                  <a:srgbClr val="FF0000"/>
+                </a:solidFill>
+              </a:rPr>
               <a:t> &amp; Dictionary</a:t>
             </a:r>
           </a:p>
@@ -3918,6 +3935,256 @@
               <a:t>      print(x)</a:t>
             </a:r>
             <a:endParaRPr lang="en-IN" dirty="0"/>
+          </a:p>
+        </p:txBody>
+      </p:sp>
+      <p:sp>
+        <p:nvSpPr>
+          <p:cNvPr id="4" name="TextBox 3">
+            <a:extLst>
+              <a:ext uri="{FF2B5EF4-FFF2-40B4-BE49-F238E27FC236}">
+                <a16:creationId xmlns:a16="http://schemas.microsoft.com/office/drawing/2014/main" id="{5CEF2D9E-89A7-44CD-971A-B90083C7D2E8}"/>
+              </a:ext>
+            </a:extLst>
+          </p:cNvPr>
+          <p:cNvSpPr txBox="1"/>
+          <p:nvPr/>
+        </p:nvSpPr>
+        <p:spPr>
+          <a:xfrm>
+            <a:off x="6711519" y="994300"/>
+            <a:ext cx="5520999" cy="3970318"/>
+          </a:xfrm>
+          <a:prstGeom prst="rect">
+            <a:avLst/>
+          </a:prstGeom>
+          <a:noFill/>
+        </p:spPr>
+        <p:txBody>
+          <a:bodyPr wrap="none" rtlCol="0">
+            <a:spAutoFit/>
+          </a:bodyPr>
+          <a:lstStyle/>
+          <a:p>
+            <a:r>
+              <a:rPr lang="en-US" dirty="0"/>
+              <a:t> &gt;&gt;for item in A:</a:t>
+            </a:r>
+          </a:p>
+          <a:p>
+            <a:r>
+              <a:rPr lang="en-US" dirty="0"/>
+              <a:t>       print(item)</a:t>
+            </a:r>
+          </a:p>
+          <a:p>
+            <a:endParaRPr lang="en-US" dirty="0"/>
+          </a:p>
+          <a:p>
+            <a:r>
+              <a:rPr lang="en-US" dirty="0"/>
+              <a:t>&gt;&gt; for </a:t>
+            </a:r>
+            <a:r>
+              <a:rPr lang="en-US" dirty="0" err="1"/>
+              <a:t>tp</a:t>
+            </a:r>
+            <a:r>
+              <a:rPr lang="en-US" dirty="0"/>
+              <a:t> in B:</a:t>
+            </a:r>
+          </a:p>
+          <a:p>
+            <a:r>
+              <a:rPr lang="en-US" dirty="0"/>
+              <a:t>     print(</a:t>
+            </a:r>
+            <a:r>
+              <a:rPr lang="en-US" dirty="0" err="1"/>
+              <a:t>tp</a:t>
+            </a:r>
+            <a:r>
+              <a:rPr lang="en-US" dirty="0"/>
+              <a:t>)</a:t>
+            </a:r>
+          </a:p>
+          <a:p>
+            <a:endParaRPr lang="en-US" dirty="0"/>
+          </a:p>
+          <a:p>
+            <a:r>
+              <a:rPr lang="en-US" dirty="0"/>
+              <a:t> &gt;&gt;list1=[[“Harry”,1],[“Larry”,2],[“Carry”,6],[“marie”,250]]</a:t>
+            </a:r>
+          </a:p>
+          <a:p>
+            <a:r>
+              <a:rPr lang="en-US" dirty="0"/>
+              <a:t> &gt;&gt;for </a:t>
+            </a:r>
+            <a:r>
+              <a:rPr lang="en-US" dirty="0" err="1"/>
+              <a:t>item,lolypop</a:t>
+            </a:r>
+            <a:r>
+              <a:rPr lang="en-US" dirty="0"/>
+              <a:t> in list1:</a:t>
+            </a:r>
+          </a:p>
+          <a:p>
+            <a:r>
+              <a:rPr lang="en-US" dirty="0"/>
+              <a:t>      print(</a:t>
+            </a:r>
+            <a:r>
+              <a:rPr lang="en-US" dirty="0" err="1"/>
+              <a:t>item,”and</a:t>
+            </a:r>
+            <a:r>
+              <a:rPr lang="en-US" dirty="0"/>
+              <a:t> </a:t>
+            </a:r>
+            <a:r>
+              <a:rPr lang="en-US" dirty="0" err="1"/>
+              <a:t>lolypop</a:t>
+            </a:r>
+            <a:r>
+              <a:rPr lang="en-US" dirty="0"/>
+              <a:t> is “,</a:t>
+            </a:r>
+            <a:r>
+              <a:rPr lang="en-US" dirty="0" err="1"/>
+              <a:t>lolypop</a:t>
+            </a:r>
+            <a:r>
+              <a:rPr lang="en-US" dirty="0"/>
+              <a:t>)</a:t>
+            </a:r>
+          </a:p>
+          <a:p>
+            <a:r>
+              <a:rPr lang="en-US" dirty="0">
+                <a:solidFill>
+                  <a:srgbClr val="FF0000"/>
+                </a:solidFill>
+              </a:rPr>
+              <a:t>//if we convert list into dictionary</a:t>
+            </a:r>
+          </a:p>
+          <a:p>
+            <a:r>
+              <a:rPr lang="en-US" dirty="0"/>
+              <a:t>&gt;&gt;d=</a:t>
+            </a:r>
+            <a:r>
+              <a:rPr lang="en-US" dirty="0" err="1"/>
+              <a:t>dict</a:t>
+            </a:r>
+            <a:r>
+              <a:rPr lang="en-US" dirty="0"/>
+              <a:t>(list1)</a:t>
+            </a:r>
+          </a:p>
+          <a:p>
+            <a:r>
+              <a:rPr lang="en-US" dirty="0"/>
+              <a:t>&gt;&gt;for </a:t>
+            </a:r>
+            <a:r>
+              <a:rPr lang="en-US" dirty="0" err="1"/>
+              <a:t>item,lolypop</a:t>
+            </a:r>
+            <a:r>
+              <a:rPr lang="en-US" dirty="0"/>
+              <a:t> in </a:t>
+            </a:r>
+            <a:r>
+              <a:rPr lang="en-US" dirty="0" err="1"/>
+              <a:t>d.items</a:t>
+            </a:r>
+            <a:r>
+              <a:rPr lang="en-US" dirty="0"/>
+              <a:t>():</a:t>
+            </a:r>
+          </a:p>
+          <a:p>
+            <a:r>
+              <a:rPr lang="en-US" dirty="0"/>
+              <a:t>      print(</a:t>
+            </a:r>
+            <a:r>
+              <a:rPr lang="en-US" dirty="0" err="1"/>
+              <a:t>item,”and</a:t>
+            </a:r>
+            <a:r>
+              <a:rPr lang="en-US" dirty="0"/>
+              <a:t> </a:t>
+            </a:r>
+            <a:r>
+              <a:rPr lang="en-US" dirty="0" err="1"/>
+              <a:t>lolypop</a:t>
+            </a:r>
+            <a:r>
+              <a:rPr lang="en-US" dirty="0"/>
+              <a:t> is “,</a:t>
+            </a:r>
+            <a:r>
+              <a:rPr lang="en-US" dirty="0" err="1"/>
+              <a:t>lolypop</a:t>
+            </a:r>
+            <a:r>
+              <a:rPr lang="en-US" dirty="0"/>
+              <a:t>)</a:t>
+            </a:r>
+          </a:p>
+          <a:p>
+            <a:endParaRPr lang="en-IN" dirty="0"/>
+          </a:p>
+        </p:txBody>
+      </p:sp>
+      <p:sp>
+        <p:nvSpPr>
+          <p:cNvPr id="5" name="Arrow: Right 4">
+            <a:extLst>
+              <a:ext uri="{FF2B5EF4-FFF2-40B4-BE49-F238E27FC236}">
+                <a16:creationId xmlns:a16="http://schemas.microsoft.com/office/drawing/2014/main" id="{CB735F56-66C8-444F-806A-23EF6A591B96}"/>
+              </a:ext>
+            </a:extLst>
+          </p:cNvPr>
+          <p:cNvSpPr/>
+          <p:nvPr/>
+        </p:nvSpPr>
+        <p:spPr>
+          <a:xfrm>
+            <a:off x="3719743" y="1065320"/>
+            <a:ext cx="2867487" cy="177554"/>
+          </a:xfrm>
+          <a:prstGeom prst="rightArrow">
+            <a:avLst/>
+          </a:prstGeom>
+        </p:spPr>
+        <p:style>
+          <a:lnRef idx="2">
+            <a:schemeClr val="dk1">
+              <a:shade val="50000"/>
+            </a:schemeClr>
+          </a:lnRef>
+          <a:fillRef idx="1">
+            <a:schemeClr val="dk1"/>
+          </a:fillRef>
+          <a:effectRef idx="0">
+            <a:schemeClr val="dk1"/>
+          </a:effectRef>
+          <a:fontRef idx="minor">
+            <a:schemeClr val="lt1"/>
+          </a:fontRef>
+        </p:style>
+        <p:txBody>
+          <a:bodyPr rtlCol="0" anchor="ctr"/>
+          <a:lstStyle/>
+          <a:p>
+            <a:pPr algn="ctr"/>
+            <a:endParaRPr lang="en-IN"/>
           </a:p>
         </p:txBody>
       </p:sp>
@@ -4249,24 +4516,28 @@
               <a:buNone/>
             </a:pPr>
             <a:r>
-              <a:rPr lang="en-US" dirty="0"/>
-              <a:t>Example:</a:t>
-            </a:r>
-          </a:p>
-          <a:p>
-            <a:pPr marL="0" indent="0">
-              <a:buNone/>
-            </a:pPr>
-            <a:r>
-              <a:rPr lang="en-US" dirty="0"/>
-              <a:t> l1=[“</a:t>
-            </a:r>
-            <a:r>
-              <a:rPr lang="en-US" dirty="0" err="1"/>
+              <a:rPr lang="en-US" b="1" u="sng" dirty="0"/>
+              <a:t>#Example:</a:t>
+            </a:r>
+          </a:p>
+          <a:p>
+            <a:pPr marL="0" indent="0">
+              <a:buNone/>
+            </a:pPr>
+            <a:r>
+              <a:rPr lang="en-US" dirty="0"/>
+              <a:t> </a:t>
+            </a:r>
+            <a:r>
+              <a:rPr lang="en-US" sz="2400" dirty="0"/>
+              <a:t>l1=[“</a:t>
+            </a:r>
+            <a:r>
+              <a:rPr lang="en-US" sz="2400" dirty="0" err="1"/>
               <a:t>orange”,”black”,”white</a:t>
             </a:r>
             <a:r>
-              <a:rPr lang="en-US" dirty="0"/>
+              <a:rPr lang="en-US" sz="2400" dirty="0"/>
               <a:t>”]</a:t>
             </a:r>
           </a:p>
@@ -4275,15 +4546,15 @@
               <a:buNone/>
             </a:pPr>
             <a:r>
-              <a:rPr lang="en-US" dirty="0"/>
+              <a:rPr lang="en-US" sz="2400" dirty="0"/>
               <a:t> l2=[“</a:t>
             </a:r>
             <a:r>
-              <a:rPr lang="en-US" dirty="0" err="1"/>
+              <a:rPr lang="en-US" sz="2400" dirty="0" err="1"/>
               <a:t>chair”,”book”,”laptop</a:t>
             </a:r>
             <a:r>
-              <a:rPr lang="en-US" dirty="0"/>
+              <a:rPr lang="en-US" sz="2400" dirty="0"/>
               <a:t>”]</a:t>
             </a:r>
           </a:p>
@@ -4292,7 +4563,7 @@
               <a:buNone/>
             </a:pPr>
             <a:r>
-              <a:rPr lang="en-US" dirty="0"/>
+              <a:rPr lang="en-US" sz="2400" dirty="0"/>
               <a:t> #outer for loop</a:t>
             </a:r>
           </a:p>
@@ -4301,7 +4572,7 @@
               <a:buNone/>
             </a:pPr>
             <a:r>
-              <a:rPr lang="en-US" dirty="0"/>
+              <a:rPr lang="en-US" sz="2400" dirty="0"/>
               <a:t> for  i in l1:</a:t>
             </a:r>
           </a:p>
@@ -4310,7 +4581,7 @@
               <a:buNone/>
             </a:pPr>
             <a:r>
-              <a:rPr lang="en-US" dirty="0"/>
+              <a:rPr lang="en-US" sz="2400" dirty="0"/>
               <a:t>     for j in l2:</a:t>
             </a:r>
           </a:p>
@@ -4319,18 +4590,18 @@
               <a:buNone/>
             </a:pPr>
             <a:r>
-              <a:rPr lang="en-US" dirty="0"/>
+              <a:rPr lang="en-US" sz="2400" dirty="0"/>
               <a:t>         print(</a:t>
             </a:r>
             <a:r>
-              <a:rPr lang="en-US" dirty="0" err="1"/>
+              <a:rPr lang="en-US" sz="2400" dirty="0" err="1"/>
               <a:t>i,j</a:t>
             </a:r>
             <a:r>
-              <a:rPr lang="en-US" dirty="0"/>
+              <a:rPr lang="en-US" sz="2400" dirty="0"/>
               <a:t>)</a:t>
             </a:r>
-            <a:endParaRPr lang="en-IN" dirty="0"/>
+            <a:endParaRPr lang="en-IN" sz="2400" dirty="0"/>
           </a:p>
         </p:txBody>
       </p:sp>
@@ -4419,7 +4690,7 @@
         <p:spPr/>
         <p:txBody>
           <a:bodyPr>
-            <a:normAutofit lnSpcReduction="10000"/>
+            <a:normAutofit/>
           </a:bodyPr>
           <a:lstStyle/>
           <a:p>
@@ -4436,11 +4707,11 @@
               <a:buNone/>
             </a:pPr>
             <a:r>
-              <a:rPr lang="en-US" dirty="0" err="1"/>
+              <a:rPr lang="en-US" sz="2000" dirty="0" err="1"/>
               <a:t>lst</a:t>
             </a:r>
             <a:r>
-              <a:rPr lang="en-US" dirty="0"/>
+              <a:rPr lang="en-US" sz="2000" dirty="0"/>
               <a:t>=[]</a:t>
             </a:r>
           </a:p>
@@ -4449,7 +4720,7 @@
               <a:buNone/>
             </a:pPr>
             <a:r>
-              <a:rPr lang="en-US" dirty="0"/>
+              <a:rPr lang="en-US" sz="2000" dirty="0"/>
               <a:t> for x in range(555,1111):</a:t>
             </a:r>
           </a:p>
@@ -4458,7 +4729,7 @@
               <a:buNone/>
             </a:pPr>
             <a:r>
-              <a:rPr lang="en-US" dirty="0"/>
+              <a:rPr lang="en-US" sz="2000" dirty="0"/>
               <a:t>        if(x%7 == 0):</a:t>
             </a:r>
           </a:p>
@@ -4467,57 +4738,57 @@
               <a:buNone/>
             </a:pPr>
             <a:r>
-              <a:rPr lang="en-US" dirty="0"/>
+              <a:rPr lang="en-US" sz="2000" dirty="0"/>
               <a:t>            </a:t>
             </a:r>
             <a:r>
-              <a:rPr lang="en-US" dirty="0" err="1"/>
+              <a:rPr lang="en-US" sz="2000" dirty="0" err="1"/>
               <a:t>lst.append</a:t>
             </a:r>
             <a:r>
-              <a:rPr lang="en-US" dirty="0"/>
+              <a:rPr lang="en-US" sz="2000" dirty="0"/>
               <a:t>(x)</a:t>
             </a:r>
           </a:p>
           <a:p>
-            <a:pPr marL="0" indent="0">
-              <a:buNone/>
-            </a:pPr>
-            <a:r>
-              <a:rPr lang="en-US" dirty="0"/>
+            <a:pPr marL="914400" lvl="2" indent="0">
+              <a:buNone/>
+            </a:pPr>
+            <a:r>
+              <a:rPr lang="en-US" sz="1200" dirty="0"/>
               <a:t> print(</a:t>
             </a:r>
             <a:r>
-              <a:rPr lang="en-US" dirty="0" err="1"/>
+              <a:rPr lang="en-US" sz="1200" dirty="0" err="1"/>
               <a:t>lst</a:t>
             </a:r>
             <a:r>
-              <a:rPr lang="en-US" dirty="0"/>
+              <a:rPr lang="en-US" sz="1200" dirty="0"/>
               <a:t>)</a:t>
             </a:r>
           </a:p>
           <a:p>
-            <a:pPr marL="0" indent="0">
-              <a:buNone/>
-            </a:pPr>
-            <a:r>
-              <a:rPr lang="en-US" dirty="0"/>
+            <a:pPr marL="914400" lvl="2" indent="0">
+              <a:buNone/>
+            </a:pPr>
+            <a:r>
+              <a:rPr lang="en-US" sz="1200" dirty="0"/>
               <a:t> print(</a:t>
             </a:r>
             <a:r>
-              <a:rPr lang="en-US" dirty="0" err="1"/>
+              <a:rPr lang="en-US" sz="1200" dirty="0" err="1"/>
               <a:t>len</a:t>
             </a:r>
             <a:r>
-              <a:rPr lang="en-US" dirty="0"/>
+              <a:rPr lang="en-US" sz="1200" dirty="0"/>
               <a:t>(</a:t>
             </a:r>
             <a:r>
-              <a:rPr lang="en-US" dirty="0" err="1"/>
+              <a:rPr lang="en-US" sz="1200" dirty="0" err="1"/>
               <a:t>lst</a:t>
             </a:r>
             <a:r>
-              <a:rPr lang="en-US" dirty="0"/>
+              <a:rPr lang="en-US" sz="1200" dirty="0"/>
               <a:t>))</a:t>
             </a:r>
           </a:p>
@@ -4526,19 +4797,23 @@
               <a:buNone/>
             </a:pPr>
             <a:r>
-              <a:rPr lang="en-US" dirty="0"/>
-              <a:t> else:</a:t>
-            </a:r>
-          </a:p>
-          <a:p>
-            <a:pPr marL="0" indent="0">
-              <a:buNone/>
-            </a:pPr>
-            <a:r>
-              <a:rPr lang="en-US" dirty="0"/>
-              <a:t>      print(“Finished”)</a:t>
-            </a:r>
-            <a:endParaRPr lang="en-IN" dirty="0"/>
+              <a:rPr lang="en-US" sz="2000" dirty="0"/>
+              <a:t>Else:</a:t>
+            </a:r>
+          </a:p>
+          <a:p>
+            <a:pPr marL="0" indent="0">
+              <a:buNone/>
+            </a:pPr>
+            <a:r>
+              <a:rPr lang="en-US" sz="2000"/>
+              <a:t>    print</a:t>
+            </a:r>
+            <a:r>
+              <a:rPr lang="en-US" sz="2000" dirty="0"/>
+              <a:t>(“Finished”)</a:t>
+            </a:r>
+            <a:endParaRPr lang="en-IN" sz="2000" dirty="0"/>
           </a:p>
         </p:txBody>
       </p:sp>
@@ -4577,7 +4852,7 @@
           <p:cNvPr id="2" name="Title 1">
             <a:extLst>
               <a:ext uri="{FF2B5EF4-FFF2-40B4-BE49-F238E27FC236}">
-                <a16:creationId xmlns:a16="http://schemas.microsoft.com/office/drawing/2014/main" id="{BD96DBDE-5B27-4BB5-8F76-BBDCC5C40369}"/>
+                <a16:creationId xmlns:a16="http://schemas.microsoft.com/office/drawing/2014/main" id="{8063BA22-5824-461F-B57A-6EB61CA98056}"/>
               </a:ext>
             </a:extLst>
           </p:cNvPr>
@@ -4591,7 +4866,7 @@
         <p:spPr>
           <a:xfrm>
             <a:off x="838200" y="365126"/>
-            <a:ext cx="10515600" cy="513764"/>
+            <a:ext cx="10515600" cy="460498"/>
           </a:xfrm>
         </p:spPr>
         <p:txBody>
@@ -4602,7 +4877,7 @@
           <a:p>
             <a:r>
               <a:rPr lang="en-US" dirty="0"/>
-              <a:t>Python break and continue statements</a:t>
+              <a:t>Exercise:</a:t>
             </a:r>
             <a:endParaRPr lang="en-IN" dirty="0"/>
           </a:p>
@@ -4613,7 +4888,7 @@
           <p:cNvPr id="3" name="Content Placeholder 2">
             <a:extLst>
               <a:ext uri="{FF2B5EF4-FFF2-40B4-BE49-F238E27FC236}">
-                <a16:creationId xmlns:a16="http://schemas.microsoft.com/office/drawing/2014/main" id="{2858ED14-99B6-4F79-9217-9FC0724E2109}"/>
+                <a16:creationId xmlns:a16="http://schemas.microsoft.com/office/drawing/2014/main" id="{A9F57162-6397-4704-8C35-46035A419FD3}"/>
               </a:ext>
             </a:extLst>
           </p:cNvPr>
@@ -4626,13 +4901,753 @@
         </p:nvSpPr>
         <p:spPr>
           <a:xfrm>
+            <a:off x="674703" y="1180730"/>
+            <a:ext cx="10679097" cy="4996233"/>
+          </a:xfrm>
+        </p:spPr>
+        <p:txBody>
+          <a:bodyPr/>
+          <a:lstStyle/>
+          <a:p>
+            <a:r>
+              <a:rPr lang="en-US" dirty="0"/>
+              <a:t>Create a list and print </a:t>
+            </a:r>
+            <a:r>
+              <a:rPr lang="en-US" b="1" dirty="0"/>
+              <a:t>only numbers </a:t>
+            </a:r>
+            <a:r>
+              <a:rPr lang="en-US" dirty="0"/>
+              <a:t>from the list and the number  greater than 6:</a:t>
+            </a:r>
+          </a:p>
+          <a:p>
+            <a:pPr marL="0" indent="0">
+              <a:buNone/>
+            </a:pPr>
+            <a:r>
+              <a:rPr lang="en-US" sz="1800" dirty="0"/>
+              <a:t>&gt;&gt;items=[int,float,”Harry”,5,3,3,22,21,64,23,233,23,6]</a:t>
+            </a:r>
+          </a:p>
+          <a:p>
+            <a:pPr marL="0" indent="0">
+              <a:buNone/>
+            </a:pPr>
+            <a:r>
+              <a:rPr lang="en-US" sz="1800" dirty="0"/>
+              <a:t>&gt;&gt;for item in items:</a:t>
+            </a:r>
+          </a:p>
+          <a:p>
+            <a:pPr marL="0" indent="0">
+              <a:buNone/>
+            </a:pPr>
+            <a:r>
+              <a:rPr lang="en-US" sz="1800" dirty="0"/>
+              <a:t>      if str(item).</a:t>
+            </a:r>
+            <a:r>
+              <a:rPr lang="en-US" sz="1800" dirty="0" err="1"/>
+              <a:t>isnumeric</a:t>
+            </a:r>
+            <a:r>
+              <a:rPr lang="en-US" sz="1800" dirty="0"/>
+              <a:t>() and item &gt;=6:</a:t>
+            </a:r>
+          </a:p>
+          <a:p>
+            <a:pPr marL="0" indent="0">
+              <a:buNone/>
+            </a:pPr>
+            <a:r>
+              <a:rPr lang="en-US" sz="1800" dirty="0"/>
+              <a:t>          print(item)</a:t>
+            </a:r>
+          </a:p>
+          <a:p>
+            <a:pPr marL="0" indent="0">
+              <a:buNone/>
+            </a:pPr>
+            <a:endParaRPr lang="en-IN" sz="1800" dirty="0"/>
+          </a:p>
+        </p:txBody>
+      </p:sp>
+    </p:spTree>
+    <p:extLst>
+      <p:ext uri="{BB962C8B-B14F-4D97-AF65-F5344CB8AC3E}">
+        <p14:creationId xmlns:p14="http://schemas.microsoft.com/office/powerpoint/2010/main" val="2487900736"/>
+      </p:ext>
+    </p:extLst>
+  </p:cSld>
+  <p:clrMapOvr>
+    <a:masterClrMapping/>
+  </p:clrMapOvr>
+</p:sld>
+</file>
+
+<file path=ppt/slides/slide15.xml><?xml version="1.0" encoding="utf-8"?>
+<p:sld xmlns:a="http://schemas.openxmlformats.org/drawingml/2006/main" xmlns:r="http://schemas.openxmlformats.org/officeDocument/2006/relationships" xmlns:p="http://schemas.openxmlformats.org/presentationml/2006/main">
+  <p:cSld>
+    <p:spTree>
+      <p:nvGrpSpPr>
+        <p:cNvPr id="1" name=""/>
+        <p:cNvGrpSpPr/>
+        <p:nvPr/>
+      </p:nvGrpSpPr>
+      <p:grpSpPr>
+        <a:xfrm>
+          <a:off x="0" y="0"/>
+          <a:ext cx="0" cy="0"/>
+          <a:chOff x="0" y="0"/>
+          <a:chExt cx="0" cy="0"/>
+        </a:xfrm>
+      </p:grpSpPr>
+      <p:sp>
+        <p:nvSpPr>
+          <p:cNvPr id="2" name="Title 1">
+            <a:extLst>
+              <a:ext uri="{FF2B5EF4-FFF2-40B4-BE49-F238E27FC236}">
+                <a16:creationId xmlns:a16="http://schemas.microsoft.com/office/drawing/2014/main" id="{7585DAB5-5EEA-4626-BEF6-72BD3ECA6937}"/>
+              </a:ext>
+            </a:extLst>
+          </p:cNvPr>
+          <p:cNvSpPr>
+            <a:spLocks noGrp="1"/>
+          </p:cNvSpPr>
+          <p:nvPr>
+            <p:ph type="title"/>
+          </p:nvPr>
+        </p:nvSpPr>
+        <p:spPr>
+          <a:xfrm>
+            <a:off x="838200" y="365125"/>
+            <a:ext cx="10515600" cy="496009"/>
+          </a:xfrm>
+        </p:spPr>
+        <p:txBody>
+          <a:bodyPr>
+            <a:normAutofit fontScale="90000"/>
+          </a:bodyPr>
+          <a:lstStyle/>
+          <a:p>
+            <a:r>
+              <a:rPr lang="en-US" dirty="0"/>
+              <a:t>Example: break</a:t>
+            </a:r>
+            <a:endParaRPr lang="en-IN" dirty="0"/>
+          </a:p>
+        </p:txBody>
+      </p:sp>
+      <p:sp>
+        <p:nvSpPr>
+          <p:cNvPr id="5" name="TextBox 4">
+            <a:extLst>
+              <a:ext uri="{FF2B5EF4-FFF2-40B4-BE49-F238E27FC236}">
+                <a16:creationId xmlns:a16="http://schemas.microsoft.com/office/drawing/2014/main" id="{05C05B51-2F05-47BA-AA20-4774FF829A2C}"/>
+              </a:ext>
+            </a:extLst>
+          </p:cNvPr>
+          <p:cNvSpPr txBox="1"/>
+          <p:nvPr/>
+        </p:nvSpPr>
+        <p:spPr>
+          <a:xfrm>
+            <a:off x="1032029" y="1218823"/>
+            <a:ext cx="6094520" cy="2862322"/>
+          </a:xfrm>
+          <a:prstGeom prst="rect">
+            <a:avLst/>
+          </a:prstGeom>
+          <a:noFill/>
+        </p:spPr>
+        <p:txBody>
+          <a:bodyPr wrap="square">
+            <a:spAutoFit/>
+          </a:bodyPr>
+          <a:lstStyle/>
+          <a:p>
+            <a:r>
+              <a:rPr lang="en-IN" dirty="0">
+                <a:highlight>
+                  <a:srgbClr val="FFFF00"/>
+                </a:highlight>
+              </a:rPr>
+              <a:t>#To search for lost car key in home and when found stop </a:t>
+            </a:r>
+            <a:r>
+              <a:rPr lang="en-IN" dirty="0"/>
+              <a:t>searching</a:t>
+            </a:r>
+          </a:p>
+          <a:p>
+            <a:r>
+              <a:rPr lang="en-IN" dirty="0" err="1"/>
+              <a:t>key_location</a:t>
+            </a:r>
+            <a:r>
+              <a:rPr lang="en-IN" dirty="0"/>
+              <a:t> ="chair"</a:t>
+            </a:r>
+          </a:p>
+          <a:p>
+            <a:r>
+              <a:rPr lang="en-IN" dirty="0"/>
+              <a:t>locations=["</a:t>
+            </a:r>
+            <a:r>
+              <a:rPr lang="en-IN" dirty="0" err="1"/>
+              <a:t>garage","living</a:t>
+            </a:r>
+            <a:r>
+              <a:rPr lang="en-IN" dirty="0"/>
+              <a:t> </a:t>
+            </a:r>
+            <a:r>
+              <a:rPr lang="en-IN" dirty="0" err="1"/>
+              <a:t>room","chair","closet</a:t>
+            </a:r>
+            <a:r>
+              <a:rPr lang="en-IN" dirty="0"/>
+              <a:t>"]</a:t>
+            </a:r>
+          </a:p>
+          <a:p>
+            <a:r>
+              <a:rPr lang="en-IN" dirty="0"/>
+              <a:t>for </a:t>
+            </a:r>
+            <a:r>
+              <a:rPr lang="en-IN" dirty="0" err="1"/>
+              <a:t>i</a:t>
+            </a:r>
+            <a:r>
+              <a:rPr lang="en-IN" dirty="0"/>
+              <a:t> in locations:</a:t>
+            </a:r>
+          </a:p>
+          <a:p>
+            <a:r>
+              <a:rPr lang="en-IN" dirty="0"/>
+              <a:t>    if </a:t>
+            </a:r>
+            <a:r>
+              <a:rPr lang="en-IN" dirty="0" err="1"/>
+              <a:t>i</a:t>
+            </a:r>
+            <a:r>
+              <a:rPr lang="en-IN" dirty="0"/>
+              <a:t>==</a:t>
+            </a:r>
+            <a:r>
+              <a:rPr lang="en-IN" dirty="0" err="1"/>
+              <a:t>key_location</a:t>
+            </a:r>
+            <a:r>
+              <a:rPr lang="en-IN" dirty="0"/>
+              <a:t>:</a:t>
+            </a:r>
+          </a:p>
+          <a:p>
+            <a:r>
+              <a:rPr lang="en-IN" dirty="0"/>
+              <a:t>        print("key is found in ",</a:t>
+            </a:r>
+            <a:r>
+              <a:rPr lang="en-IN" dirty="0" err="1"/>
+              <a:t>i</a:t>
+            </a:r>
+            <a:r>
+              <a:rPr lang="en-IN" dirty="0"/>
+              <a:t>)</a:t>
+            </a:r>
+          </a:p>
+          <a:p>
+            <a:r>
+              <a:rPr lang="en-IN" dirty="0"/>
+              <a:t>        </a:t>
+            </a:r>
+            <a:r>
+              <a:rPr lang="en-IN" dirty="0">
+                <a:highlight>
+                  <a:srgbClr val="FFFF00"/>
+                </a:highlight>
+              </a:rPr>
+              <a:t>break</a:t>
+            </a:r>
+            <a:r>
+              <a:rPr lang="en-IN" dirty="0"/>
+              <a:t> </a:t>
+            </a:r>
+            <a:r>
+              <a:rPr lang="en-IN" dirty="0">
+                <a:solidFill>
+                  <a:srgbClr val="FF0000"/>
+                </a:solidFill>
+              </a:rPr>
+              <a:t>#comes out of for loop</a:t>
+            </a:r>
+          </a:p>
+          <a:p>
+            <a:r>
+              <a:rPr lang="en-IN" dirty="0"/>
+              <a:t>    else:</a:t>
+            </a:r>
+          </a:p>
+          <a:p>
+            <a:r>
+              <a:rPr lang="en-IN" dirty="0"/>
+              <a:t>        print("Key is not found ",</a:t>
+            </a:r>
+            <a:r>
+              <a:rPr lang="en-IN" dirty="0" err="1"/>
+              <a:t>i</a:t>
+            </a:r>
+            <a:r>
+              <a:rPr lang="en-IN" dirty="0"/>
+              <a:t>)</a:t>
+            </a:r>
+          </a:p>
+        </p:txBody>
+      </p:sp>
+    </p:spTree>
+    <p:extLst>
+      <p:ext uri="{BB962C8B-B14F-4D97-AF65-F5344CB8AC3E}">
+        <p14:creationId xmlns:p14="http://schemas.microsoft.com/office/powerpoint/2010/main" val="3389101033"/>
+      </p:ext>
+    </p:extLst>
+  </p:cSld>
+  <p:clrMapOvr>
+    <a:masterClrMapping/>
+  </p:clrMapOvr>
+</p:sld>
+</file>
+
+<file path=ppt/slides/slide16.xml><?xml version="1.0" encoding="utf-8"?>
+<p:sld xmlns:a="http://schemas.openxmlformats.org/drawingml/2006/main" xmlns:r="http://schemas.openxmlformats.org/officeDocument/2006/relationships" xmlns:p="http://schemas.openxmlformats.org/presentationml/2006/main">
+  <p:cSld>
+    <p:spTree>
+      <p:nvGrpSpPr>
+        <p:cNvPr id="1" name=""/>
+        <p:cNvGrpSpPr/>
+        <p:nvPr/>
+      </p:nvGrpSpPr>
+      <p:grpSpPr>
+        <a:xfrm>
+          <a:off x="0" y="0"/>
+          <a:ext cx="0" cy="0"/>
+          <a:chOff x="0" y="0"/>
+          <a:chExt cx="0" cy="0"/>
+        </a:xfrm>
+      </p:grpSpPr>
+      <p:sp>
+        <p:nvSpPr>
+          <p:cNvPr id="2" name="Title 1">
+            <a:extLst>
+              <a:ext uri="{FF2B5EF4-FFF2-40B4-BE49-F238E27FC236}">
+                <a16:creationId xmlns:a16="http://schemas.microsoft.com/office/drawing/2014/main" id="{1D7939F5-8565-404F-93D6-F9928A3FE62F}"/>
+              </a:ext>
+            </a:extLst>
+          </p:cNvPr>
+          <p:cNvSpPr>
+            <a:spLocks noGrp="1"/>
+          </p:cNvSpPr>
+          <p:nvPr>
+            <p:ph type="title"/>
+          </p:nvPr>
+        </p:nvSpPr>
+        <p:spPr/>
+        <p:txBody>
+          <a:bodyPr/>
+          <a:lstStyle/>
+          <a:p>
+            <a:r>
+              <a:rPr lang="en-US" dirty="0"/>
+              <a:t>Example - continue</a:t>
+            </a:r>
+            <a:endParaRPr lang="en-IN" dirty="0"/>
+          </a:p>
+        </p:txBody>
+      </p:sp>
+      <p:sp>
+        <p:nvSpPr>
+          <p:cNvPr id="5" name="TextBox 4">
+            <a:extLst>
+              <a:ext uri="{FF2B5EF4-FFF2-40B4-BE49-F238E27FC236}">
+                <a16:creationId xmlns:a16="http://schemas.microsoft.com/office/drawing/2014/main" id="{753731DB-D36E-477B-A92D-533F275FE852}"/>
+              </a:ext>
+            </a:extLst>
+          </p:cNvPr>
+          <p:cNvSpPr txBox="1"/>
+          <p:nvPr/>
+        </p:nvSpPr>
+        <p:spPr>
+          <a:xfrm>
+            <a:off x="1040907" y="1826087"/>
+            <a:ext cx="6094520" cy="1754326"/>
+          </a:xfrm>
+          <a:prstGeom prst="rect">
+            <a:avLst/>
+          </a:prstGeom>
+          <a:noFill/>
+        </p:spPr>
+        <p:txBody>
+          <a:bodyPr wrap="square">
+            <a:spAutoFit/>
+          </a:bodyPr>
+          <a:lstStyle/>
+          <a:p>
+            <a:r>
+              <a:rPr lang="en-IN" dirty="0">
+                <a:solidFill>
+                  <a:srgbClr val="FF0000"/>
+                </a:solidFill>
+              </a:rPr>
+              <a:t>#To find square of numbers from 1 to 5 except for even </a:t>
+            </a:r>
+            <a:r>
+              <a:rPr lang="en-IN" dirty="0"/>
+              <a:t>numbers</a:t>
+            </a:r>
+          </a:p>
+          <a:p>
+            <a:r>
+              <a:rPr lang="en-IN" dirty="0"/>
+              <a:t>for </a:t>
+            </a:r>
+            <a:r>
+              <a:rPr lang="en-IN" dirty="0" err="1"/>
+              <a:t>i</a:t>
+            </a:r>
+            <a:r>
+              <a:rPr lang="en-IN" dirty="0"/>
+              <a:t> in range(1,6):</a:t>
+            </a:r>
+          </a:p>
+          <a:p>
+            <a:r>
+              <a:rPr lang="en-IN" dirty="0"/>
+              <a:t>    if i%2 == 0:</a:t>
+            </a:r>
+          </a:p>
+          <a:p>
+            <a:r>
+              <a:rPr lang="en-IN" dirty="0"/>
+              <a:t>        continue</a:t>
+            </a:r>
+          </a:p>
+          <a:p>
+            <a:r>
+              <a:rPr lang="en-IN" dirty="0"/>
+              <a:t>    print(</a:t>
+            </a:r>
+            <a:r>
+              <a:rPr lang="en-IN" dirty="0" err="1"/>
+              <a:t>i</a:t>
+            </a:r>
+            <a:r>
+              <a:rPr lang="en-IN" dirty="0"/>
+              <a:t>*</a:t>
+            </a:r>
+            <a:r>
+              <a:rPr lang="en-IN" dirty="0" err="1"/>
+              <a:t>i</a:t>
+            </a:r>
+            <a:r>
+              <a:rPr lang="en-IN" dirty="0"/>
+              <a:t>)</a:t>
+            </a:r>
+          </a:p>
+        </p:txBody>
+      </p:sp>
+      <p:sp>
+        <p:nvSpPr>
+          <p:cNvPr id="6" name="TextBox 5">
+            <a:extLst>
+              <a:ext uri="{FF2B5EF4-FFF2-40B4-BE49-F238E27FC236}">
+                <a16:creationId xmlns:a16="http://schemas.microsoft.com/office/drawing/2014/main" id="{67EFD59F-F8A8-476B-9ACE-28979330ECCB}"/>
+              </a:ext>
+            </a:extLst>
+          </p:cNvPr>
+          <p:cNvSpPr txBox="1"/>
+          <p:nvPr/>
+        </p:nvSpPr>
+        <p:spPr>
+          <a:xfrm>
+            <a:off x="6465163" y="1826087"/>
+            <a:ext cx="6094520" cy="2062103"/>
+          </a:xfrm>
+          <a:prstGeom prst="rect">
+            <a:avLst/>
+          </a:prstGeom>
+          <a:noFill/>
+        </p:spPr>
+        <p:txBody>
+          <a:bodyPr wrap="square">
+            <a:spAutoFit/>
+          </a:bodyPr>
+          <a:lstStyle/>
+          <a:p>
+            <a:pPr algn="l">
+              <a:buFont typeface="Arial" panose="020B0604020202020204" pitchFamily="34" charset="0"/>
+              <a:buChar char="•"/>
+            </a:pPr>
+            <a:r>
+              <a:rPr lang="en-US" sz="1600" b="1" i="0" dirty="0">
+                <a:solidFill>
+                  <a:srgbClr val="31708F"/>
+                </a:solidFill>
+                <a:effectLst/>
+                <a:latin typeface="Helvetica Neue"/>
+              </a:rPr>
+              <a:t>Algorithm to reverse digits of a number</a:t>
+            </a:r>
+          </a:p>
+          <a:p>
+            <a:pPr algn="l">
+              <a:buFont typeface="Arial" panose="020B0604020202020204" pitchFamily="34" charset="0"/>
+              <a:buChar char="•"/>
+            </a:pPr>
+            <a:r>
+              <a:rPr lang="en-US" sz="1600" b="0" i="1" dirty="0">
+                <a:solidFill>
+                  <a:srgbClr val="31708F"/>
+                </a:solidFill>
+                <a:effectLst/>
+                <a:latin typeface="Helvetica Neue"/>
+              </a:rPr>
+              <a:t>Get the least significant digit(right most digit) of the number.</a:t>
+            </a:r>
+            <a:br>
+              <a:rPr lang="en-US" sz="1600" b="0" i="1" dirty="0">
+                <a:solidFill>
+                  <a:srgbClr val="31708F"/>
+                </a:solidFill>
+                <a:effectLst/>
+                <a:latin typeface="Helvetica Neue"/>
+              </a:rPr>
+            </a:br>
+            <a:r>
+              <a:rPr lang="en-US" sz="1600" b="0" i="1" dirty="0" err="1">
+                <a:solidFill>
+                  <a:srgbClr val="31708F"/>
+                </a:solidFill>
+                <a:effectLst/>
+                <a:latin typeface="Helvetica Neue"/>
+              </a:rPr>
+              <a:t>rightDigit</a:t>
+            </a:r>
+            <a:r>
+              <a:rPr lang="en-US" sz="1600" b="0" i="1" dirty="0">
+                <a:solidFill>
+                  <a:srgbClr val="31708F"/>
+                </a:solidFill>
+                <a:effectLst/>
+                <a:latin typeface="Helvetica Neue"/>
+              </a:rPr>
+              <a:t> = number%10;</a:t>
+            </a:r>
+          </a:p>
+          <a:p>
+            <a:pPr algn="l">
+              <a:buFont typeface="Arial" panose="020B0604020202020204" pitchFamily="34" charset="0"/>
+              <a:buChar char="•"/>
+            </a:pPr>
+            <a:r>
+              <a:rPr lang="en-US" sz="1600" b="0" i="1" dirty="0">
+                <a:solidFill>
+                  <a:srgbClr val="31708F"/>
+                </a:solidFill>
+                <a:effectLst/>
+                <a:latin typeface="Helvetica Neue"/>
+              </a:rPr>
+              <a:t>Append it at the end of reverse number.</a:t>
+            </a:r>
+            <a:br>
+              <a:rPr lang="en-US" sz="1600" b="0" i="1" dirty="0">
+                <a:solidFill>
+                  <a:srgbClr val="31708F"/>
+                </a:solidFill>
+                <a:effectLst/>
+                <a:latin typeface="Helvetica Neue"/>
+              </a:rPr>
+            </a:br>
+            <a:r>
+              <a:rPr lang="en-US" sz="1600" b="0" i="1" dirty="0">
+                <a:solidFill>
+                  <a:srgbClr val="31708F"/>
+                </a:solidFill>
+                <a:effectLst/>
+                <a:latin typeface="Helvetica Neue"/>
+              </a:rPr>
+              <a:t>reverse = (reverse * 10) + </a:t>
+            </a:r>
+            <a:r>
+              <a:rPr lang="en-US" sz="1600" b="0" i="1" dirty="0" err="1">
+                <a:solidFill>
+                  <a:srgbClr val="31708F"/>
+                </a:solidFill>
+                <a:effectLst/>
+                <a:latin typeface="Helvetica Neue"/>
+              </a:rPr>
+              <a:t>rightDigit</a:t>
+            </a:r>
+            <a:r>
+              <a:rPr lang="en-US" sz="1600" b="0" i="1" dirty="0">
+                <a:solidFill>
+                  <a:srgbClr val="31708F"/>
+                </a:solidFill>
+                <a:effectLst/>
+                <a:latin typeface="Helvetica Neue"/>
+              </a:rPr>
+              <a:t>;</a:t>
+            </a:r>
+          </a:p>
+          <a:p>
+            <a:pPr algn="l">
+              <a:buFont typeface="Arial" panose="020B0604020202020204" pitchFamily="34" charset="0"/>
+              <a:buChar char="•"/>
+            </a:pPr>
+            <a:r>
+              <a:rPr lang="en-US" sz="1600" b="0" i="1" dirty="0">
+                <a:solidFill>
+                  <a:srgbClr val="31708F"/>
+                </a:solidFill>
+                <a:effectLst/>
+                <a:latin typeface="Helvetica Neue"/>
+              </a:rPr>
+              <a:t>Remove right most digit from number.</a:t>
+            </a:r>
+            <a:br>
+              <a:rPr lang="en-US" sz="1600" b="0" i="1" dirty="0">
+                <a:solidFill>
+                  <a:srgbClr val="31708F"/>
+                </a:solidFill>
+                <a:effectLst/>
+                <a:latin typeface="Helvetica Neue"/>
+              </a:rPr>
+            </a:br>
+            <a:r>
+              <a:rPr lang="en-US" sz="1600" b="0" i="1" dirty="0">
+                <a:solidFill>
+                  <a:srgbClr val="31708F"/>
+                </a:solidFill>
+                <a:effectLst/>
+                <a:latin typeface="Helvetica Neue"/>
+              </a:rPr>
+              <a:t>number = number/10;</a:t>
+            </a:r>
+          </a:p>
+          <a:p>
+            <a:pPr algn="l">
+              <a:buFont typeface="Arial" panose="020B0604020202020204" pitchFamily="34" charset="0"/>
+              <a:buChar char="•"/>
+            </a:pPr>
+            <a:r>
+              <a:rPr lang="en-US" sz="1600" b="0" i="1" dirty="0">
+                <a:solidFill>
+                  <a:srgbClr val="31708F"/>
+                </a:solidFill>
+                <a:effectLst/>
+                <a:latin typeface="Helvetica Neue"/>
+              </a:rPr>
+              <a:t>Repeat this process till number is greater than zero.</a:t>
+            </a:r>
+          </a:p>
+        </p:txBody>
+      </p:sp>
+    </p:spTree>
+    <p:extLst>
+      <p:ext uri="{BB962C8B-B14F-4D97-AF65-F5344CB8AC3E}">
+        <p14:creationId xmlns:p14="http://schemas.microsoft.com/office/powerpoint/2010/main" val="1003503233"/>
+      </p:ext>
+    </p:extLst>
+  </p:cSld>
+  <p:clrMapOvr>
+    <a:masterClrMapping/>
+  </p:clrMapOvr>
+</p:sld>
+</file>
+
+<file path=ppt/slides/slide17.xml><?xml version="1.0" encoding="utf-8"?>
+<p:sld xmlns:a="http://schemas.openxmlformats.org/drawingml/2006/main" xmlns:r="http://schemas.openxmlformats.org/officeDocument/2006/relationships" xmlns:p="http://schemas.openxmlformats.org/presentationml/2006/main">
+  <p:cSld>
+    <p:spTree>
+      <p:nvGrpSpPr>
+        <p:cNvPr id="1" name=""/>
+        <p:cNvGrpSpPr/>
+        <p:nvPr/>
+      </p:nvGrpSpPr>
+      <p:grpSpPr>
+        <a:xfrm>
+          <a:off x="0" y="0"/>
+          <a:ext cx="0" cy="0"/>
+          <a:chOff x="0" y="0"/>
+          <a:chExt cx="0" cy="0"/>
+        </a:xfrm>
+      </p:grpSpPr>
+      <p:sp>
+        <p:nvSpPr>
+          <p:cNvPr id="2" name="Title 1">
+            <a:extLst>
+              <a:ext uri="{FF2B5EF4-FFF2-40B4-BE49-F238E27FC236}">
+                <a16:creationId xmlns:a16="http://schemas.microsoft.com/office/drawing/2014/main" id="{BD96DBDE-5B27-4BB5-8F76-BBDCC5C40369}"/>
+              </a:ext>
+            </a:extLst>
+          </p:cNvPr>
+          <p:cNvSpPr>
+            <a:spLocks noGrp="1"/>
+          </p:cNvSpPr>
+          <p:nvPr>
+            <p:ph type="title"/>
+          </p:nvPr>
+        </p:nvSpPr>
+        <p:spPr>
+          <a:xfrm>
+            <a:off x="838200" y="365126"/>
+            <a:ext cx="10515600" cy="513764"/>
+          </a:xfrm>
+        </p:spPr>
+        <p:txBody>
+          <a:bodyPr>
+            <a:normAutofit fontScale="90000"/>
+          </a:bodyPr>
+          <a:lstStyle/>
+          <a:p>
+            <a:r>
+              <a:rPr lang="en-US" dirty="0"/>
+              <a:t>Python break and continue statements</a:t>
+            </a:r>
+            <a:endParaRPr lang="en-IN" dirty="0"/>
+          </a:p>
+        </p:txBody>
+      </p:sp>
+      <p:sp>
+        <p:nvSpPr>
+          <p:cNvPr id="3" name="Content Placeholder 2">
+            <a:extLst>
+              <a:ext uri="{FF2B5EF4-FFF2-40B4-BE49-F238E27FC236}">
+                <a16:creationId xmlns:a16="http://schemas.microsoft.com/office/drawing/2014/main" id="{2858ED14-99B6-4F79-9217-9FC0724E2109}"/>
+              </a:ext>
+            </a:extLst>
+          </p:cNvPr>
+          <p:cNvSpPr>
+            <a:spLocks noGrp="1"/>
+          </p:cNvSpPr>
+          <p:nvPr>
+            <p:ph idx="1"/>
+          </p:nvPr>
+        </p:nvSpPr>
+        <p:spPr>
+          <a:xfrm>
             <a:off x="838200" y="1242874"/>
             <a:ext cx="10515600" cy="5406501"/>
           </a:xfrm>
         </p:spPr>
         <p:txBody>
           <a:bodyPr>
-            <a:normAutofit fontScale="85000" lnSpcReduction="20000"/>
+            <a:normAutofit fontScale="77500" lnSpcReduction="20000"/>
           </a:bodyPr>
           <a:lstStyle/>
           <a:p>
@@ -4641,7 +5656,15 @@
             </a:pPr>
             <a:r>
               <a:rPr lang="en-US" dirty="0"/>
-              <a:t>#Example-break stmt. </a:t>
+              <a:t>#</a:t>
+            </a:r>
+            <a:r>
+              <a:rPr lang="en-US" u="sng" dirty="0"/>
+              <a:t>Example-break stmt</a:t>
+            </a:r>
+            <a:r>
+              <a:rPr lang="en-US" dirty="0"/>
+              <a:t>. </a:t>
             </a:r>
           </a:p>
           <a:p>
@@ -4690,7 +5713,16 @@
             </a:pPr>
             <a:r>
               <a:rPr lang="en-US" dirty="0"/>
-              <a:t>      print(x)</a:t>
+              <a:t>       else:      </a:t>
+            </a:r>
+          </a:p>
+          <a:p>
+            <a:pPr marL="0" indent="0">
+              <a:buNone/>
+            </a:pPr>
+            <a:r>
+              <a:rPr lang="en-US" dirty="0"/>
+              <a:t>          print(x)</a:t>
             </a:r>
           </a:p>
           <a:p>
@@ -4705,7 +5737,15 @@
             </a:pPr>
             <a:r>
               <a:rPr lang="en-US" dirty="0"/>
-              <a:t>#Example-continue stmt.</a:t>
+              <a:t>#</a:t>
+            </a:r>
+            <a:r>
+              <a:rPr lang="en-US" u="sng" dirty="0"/>
+              <a:t>Example-continue stmt</a:t>
+            </a:r>
+            <a:r>
+              <a:rPr lang="en-US" dirty="0"/>
+              <a:t>.</a:t>
             </a:r>
           </a:p>
           <a:p>
@@ -4731,7 +5771,7 @@
             </a:pPr>
             <a:r>
               <a:rPr lang="en-US" dirty="0"/>
-              <a:t> while </a:t>
+              <a:t> while (</a:t>
             </a:r>
             <a:r>
               <a:rPr lang="en-US" dirty="0" err="1"/>
@@ -4739,7 +5779,7 @@
             </a:r>
             <a:r>
               <a:rPr lang="en-US" dirty="0"/>
-              <a:t>&lt;5:</a:t>
+              <a:t>&lt;5):</a:t>
             </a:r>
           </a:p>
           <a:p>
@@ -4778,7 +5818,335 @@
             </a:pPr>
             <a:r>
               <a:rPr lang="en-US" dirty="0"/>
-              <a:t>      print(x)</a:t>
+              <a:t>     else:      </a:t>
+            </a:r>
+          </a:p>
+          <a:p>
+            <a:pPr marL="0" indent="0">
+              <a:buNone/>
+            </a:pPr>
+            <a:r>
+              <a:rPr lang="en-US" dirty="0"/>
+              <a:t>          print(x)</a:t>
+            </a:r>
+          </a:p>
+        </p:txBody>
+      </p:sp>
+      <p:sp>
+        <p:nvSpPr>
+          <p:cNvPr id="4" name="TextBox 3">
+            <a:extLst>
+              <a:ext uri="{FF2B5EF4-FFF2-40B4-BE49-F238E27FC236}">
+                <a16:creationId xmlns:a16="http://schemas.microsoft.com/office/drawing/2014/main" id="{4EAFFBE2-2082-4763-8D7C-FF5097792566}"/>
+              </a:ext>
+            </a:extLst>
+          </p:cNvPr>
+          <p:cNvSpPr txBox="1"/>
+          <p:nvPr/>
+        </p:nvSpPr>
+        <p:spPr>
+          <a:xfrm>
+            <a:off x="6096000" y="1242874"/>
+            <a:ext cx="2774157" cy="2308324"/>
+          </a:xfrm>
+          <a:prstGeom prst="rect">
+            <a:avLst/>
+          </a:prstGeom>
+          <a:noFill/>
+        </p:spPr>
+        <p:txBody>
+          <a:bodyPr wrap="none" rtlCol="0">
+            <a:spAutoFit/>
+          </a:bodyPr>
+          <a:lstStyle/>
+          <a:p>
+            <a:r>
+              <a:rPr lang="en-US" dirty="0"/>
+              <a:t>#</a:t>
+            </a:r>
+            <a:r>
+              <a:rPr lang="en-US" u="sng" dirty="0"/>
+              <a:t>Example</a:t>
+            </a:r>
+            <a:r>
+              <a:rPr lang="en-US" dirty="0"/>
+              <a:t>:</a:t>
+            </a:r>
+          </a:p>
+          <a:p>
+            <a:r>
+              <a:rPr lang="en-US" dirty="0"/>
+              <a:t> </a:t>
+            </a:r>
+            <a:r>
+              <a:rPr lang="en-US" dirty="0" err="1"/>
+              <a:t>i</a:t>
+            </a:r>
+            <a:r>
+              <a:rPr lang="en-US" dirty="0"/>
+              <a:t>=0</a:t>
+            </a:r>
+          </a:p>
+          <a:p>
+            <a:r>
+              <a:rPr lang="en-US" dirty="0"/>
+              <a:t>  </a:t>
+            </a:r>
+            <a:r>
+              <a:rPr lang="en-US" b="1" dirty="0"/>
+              <a:t>while(True):</a:t>
+            </a:r>
+          </a:p>
+          <a:p>
+            <a:r>
+              <a:rPr lang="en-US" dirty="0"/>
+              <a:t>     print(i+1, end=“ “)</a:t>
+            </a:r>
+          </a:p>
+          <a:p>
+            <a:r>
+              <a:rPr lang="en-US" dirty="0"/>
+              <a:t>     if(</a:t>
+            </a:r>
+            <a:r>
+              <a:rPr lang="en-US" dirty="0" err="1"/>
+              <a:t>i</a:t>
+            </a:r>
+            <a:r>
+              <a:rPr lang="en-US" dirty="0"/>
+              <a:t>==44):</a:t>
+            </a:r>
+          </a:p>
+          <a:p>
+            <a:r>
+              <a:rPr lang="en-US" dirty="0"/>
+              <a:t>           </a:t>
+            </a:r>
+            <a:r>
+              <a:rPr lang="en-US" b="1" dirty="0"/>
+              <a:t>break</a:t>
+            </a:r>
+            <a:r>
+              <a:rPr lang="en-US" dirty="0"/>
+              <a:t> # stop the loop</a:t>
+            </a:r>
+          </a:p>
+          <a:p>
+            <a:r>
+              <a:rPr lang="en-US" dirty="0"/>
+              <a:t>     else:</a:t>
+            </a:r>
+          </a:p>
+          <a:p>
+            <a:r>
+              <a:rPr lang="en-US" dirty="0"/>
+              <a:t>         </a:t>
+            </a:r>
+            <a:r>
+              <a:rPr lang="en-US" dirty="0" err="1"/>
+              <a:t>i</a:t>
+            </a:r>
+            <a:r>
+              <a:rPr lang="en-US" dirty="0"/>
+              <a:t>=i+1</a:t>
+            </a:r>
+            <a:endParaRPr lang="en-IN" dirty="0"/>
+          </a:p>
+        </p:txBody>
+      </p:sp>
+      <p:cxnSp>
+        <p:nvCxnSpPr>
+          <p:cNvPr id="6" name="Straight Connector 5">
+            <a:extLst>
+              <a:ext uri="{FF2B5EF4-FFF2-40B4-BE49-F238E27FC236}">
+                <a16:creationId xmlns:a16="http://schemas.microsoft.com/office/drawing/2014/main" id="{52A59E08-36E9-4D37-BDE4-FFA514F6C2F2}"/>
+              </a:ext>
+            </a:extLst>
+          </p:cNvPr>
+          <p:cNvCxnSpPr/>
+          <p:nvPr/>
+        </p:nvCxnSpPr>
+        <p:spPr>
+          <a:xfrm>
+            <a:off x="5024761" y="878890"/>
+            <a:ext cx="0" cy="5979110"/>
+          </a:xfrm>
+          <a:prstGeom prst="line">
+            <a:avLst/>
+          </a:prstGeom>
+        </p:spPr>
+        <p:style>
+          <a:lnRef idx="1">
+            <a:schemeClr val="dk1"/>
+          </a:lnRef>
+          <a:fillRef idx="0">
+            <a:schemeClr val="dk1"/>
+          </a:fillRef>
+          <a:effectRef idx="0">
+            <a:schemeClr val="dk1"/>
+          </a:effectRef>
+          <a:fontRef idx="minor">
+            <a:schemeClr val="tx1"/>
+          </a:fontRef>
+        </p:style>
+      </p:cxnSp>
+      <p:sp>
+        <p:nvSpPr>
+          <p:cNvPr id="7" name="TextBox 6">
+            <a:extLst>
+              <a:ext uri="{FF2B5EF4-FFF2-40B4-BE49-F238E27FC236}">
+                <a16:creationId xmlns:a16="http://schemas.microsoft.com/office/drawing/2014/main" id="{1B453EF7-33E6-4B87-AB21-ADA1BD14047C}"/>
+              </a:ext>
+            </a:extLst>
+          </p:cNvPr>
+          <p:cNvSpPr txBox="1"/>
+          <p:nvPr/>
+        </p:nvSpPr>
+        <p:spPr>
+          <a:xfrm>
+            <a:off x="5398478" y="3551198"/>
+            <a:ext cx="2879956" cy="3416320"/>
+          </a:xfrm>
+          <a:prstGeom prst="rect">
+            <a:avLst/>
+          </a:prstGeom>
+          <a:noFill/>
+        </p:spPr>
+        <p:txBody>
+          <a:bodyPr wrap="none" rtlCol="0">
+            <a:spAutoFit/>
+          </a:bodyPr>
+          <a:lstStyle/>
+          <a:p>
+            <a:r>
+              <a:rPr lang="en-US" dirty="0"/>
+              <a:t>#</a:t>
+            </a:r>
+            <a:r>
+              <a:rPr lang="en-US" u="sng" dirty="0"/>
+              <a:t>Example</a:t>
+            </a:r>
+            <a:r>
+              <a:rPr lang="en-US" dirty="0"/>
+              <a:t>:</a:t>
+            </a:r>
+          </a:p>
+          <a:p>
+            <a:r>
+              <a:rPr lang="en-US" dirty="0"/>
+              <a:t> </a:t>
+            </a:r>
+            <a:r>
+              <a:rPr lang="en-US" dirty="0" err="1"/>
+              <a:t>i</a:t>
+            </a:r>
+            <a:r>
+              <a:rPr lang="en-US" dirty="0"/>
+              <a:t>=0</a:t>
+            </a:r>
+          </a:p>
+          <a:p>
+            <a:r>
+              <a:rPr lang="en-US" dirty="0"/>
+              <a:t>  </a:t>
+            </a:r>
+            <a:r>
+              <a:rPr lang="en-US" b="1" dirty="0"/>
+              <a:t>while(True):</a:t>
+            </a:r>
+          </a:p>
+          <a:p>
+            <a:r>
+              <a:rPr lang="en-US" dirty="0"/>
+              <a:t>       if i+1 &lt;5:</a:t>
+            </a:r>
+          </a:p>
+          <a:p>
+            <a:r>
+              <a:rPr lang="en-US" dirty="0"/>
+              <a:t>           </a:t>
+            </a:r>
+            <a:r>
+              <a:rPr lang="en-US" dirty="0" err="1"/>
+              <a:t>i</a:t>
+            </a:r>
+            <a:r>
+              <a:rPr lang="en-US" dirty="0"/>
+              <a:t>=i+1</a:t>
+            </a:r>
+          </a:p>
+          <a:p>
+            <a:r>
+              <a:rPr lang="en-US" b="1" dirty="0"/>
+              <a:t>            continue</a:t>
+            </a:r>
+          </a:p>
+          <a:p>
+            <a:r>
+              <a:rPr lang="en-US" b="1" dirty="0"/>
+              <a:t>     </a:t>
+            </a:r>
+            <a:r>
+              <a:rPr lang="en-US" dirty="0"/>
+              <a:t>else</a:t>
+            </a:r>
+            <a:r>
+              <a:rPr lang="en-US" b="1" dirty="0"/>
+              <a:t>:</a:t>
+            </a:r>
+          </a:p>
+          <a:p>
+            <a:r>
+              <a:rPr lang="en-US" dirty="0"/>
+              <a:t>        print(i+1, end=“ “)</a:t>
+            </a:r>
+          </a:p>
+          <a:p>
+            <a:r>
+              <a:rPr lang="en-US" dirty="0"/>
+              <a:t>        if(</a:t>
+            </a:r>
+            <a:r>
+              <a:rPr lang="en-US" dirty="0" err="1"/>
+              <a:t>i</a:t>
+            </a:r>
+            <a:r>
+              <a:rPr lang="en-US" dirty="0"/>
+              <a:t>==44):</a:t>
+            </a:r>
+          </a:p>
+          <a:p>
+            <a:r>
+              <a:rPr lang="en-US" dirty="0"/>
+              <a:t>             </a:t>
+            </a:r>
+            <a:r>
+              <a:rPr lang="en-US" b="1" dirty="0"/>
+              <a:t>break</a:t>
+            </a:r>
+            <a:r>
+              <a:rPr lang="en-US" dirty="0"/>
+              <a:t> # stop the loop</a:t>
+            </a:r>
+          </a:p>
+          <a:p>
+            <a:r>
+              <a:rPr lang="en-US" dirty="0"/>
+              <a:t>        else:</a:t>
+            </a:r>
+          </a:p>
+          <a:p>
+            <a:r>
+              <a:rPr lang="en-US" dirty="0"/>
+              <a:t>             </a:t>
+            </a:r>
+            <a:r>
+              <a:rPr lang="en-US" dirty="0" err="1"/>
+              <a:t>i</a:t>
+            </a:r>
+            <a:r>
+              <a:rPr lang="en-US" dirty="0"/>
+              <a:t>=i+1</a:t>
             </a:r>
             <a:endParaRPr lang="en-IN" dirty="0"/>
           </a:p>
@@ -4788,6 +6156,742 @@
     <p:extLst>
       <p:ext uri="{BB962C8B-B14F-4D97-AF65-F5344CB8AC3E}">
         <p14:creationId xmlns:p14="http://schemas.microsoft.com/office/powerpoint/2010/main" val="1000907376"/>
+      </p:ext>
+    </p:extLst>
+  </p:cSld>
+  <p:clrMapOvr>
+    <a:masterClrMapping/>
+  </p:clrMapOvr>
+</p:sld>
+</file>
+
+<file path=ppt/slides/slide18.xml><?xml version="1.0" encoding="utf-8"?>
+<p:sld xmlns:a="http://schemas.openxmlformats.org/drawingml/2006/main" xmlns:r="http://schemas.openxmlformats.org/officeDocument/2006/relationships" xmlns:p="http://schemas.openxmlformats.org/presentationml/2006/main">
+  <p:cSld>
+    <p:spTree>
+      <p:nvGrpSpPr>
+        <p:cNvPr id="1" name=""/>
+        <p:cNvGrpSpPr/>
+        <p:nvPr/>
+      </p:nvGrpSpPr>
+      <p:grpSpPr>
+        <a:xfrm>
+          <a:off x="0" y="0"/>
+          <a:ext cx="0" cy="0"/>
+          <a:chOff x="0" y="0"/>
+          <a:chExt cx="0" cy="0"/>
+        </a:xfrm>
+      </p:grpSpPr>
+      <p:sp>
+        <p:nvSpPr>
+          <p:cNvPr id="2" name="Title 1">
+            <a:extLst>
+              <a:ext uri="{FF2B5EF4-FFF2-40B4-BE49-F238E27FC236}">
+                <a16:creationId xmlns:a16="http://schemas.microsoft.com/office/drawing/2014/main" id="{61C73260-C3E5-4E69-B606-F39C34B58A4F}"/>
+              </a:ext>
+            </a:extLst>
+          </p:cNvPr>
+          <p:cNvSpPr>
+            <a:spLocks noGrp="1"/>
+          </p:cNvSpPr>
+          <p:nvPr>
+            <p:ph type="title"/>
+          </p:nvPr>
+        </p:nvSpPr>
+        <p:spPr>
+          <a:xfrm>
+            <a:off x="838200" y="365125"/>
+            <a:ext cx="10515600" cy="442743"/>
+          </a:xfrm>
+        </p:spPr>
+        <p:txBody>
+          <a:bodyPr>
+            <a:normAutofit fontScale="90000"/>
+          </a:bodyPr>
+          <a:lstStyle/>
+          <a:p>
+            <a:r>
+              <a:rPr lang="en-US" dirty="0"/>
+              <a:t>Exercise :</a:t>
+            </a:r>
+            <a:endParaRPr lang="en-IN" dirty="0"/>
+          </a:p>
+        </p:txBody>
+      </p:sp>
+      <p:sp>
+        <p:nvSpPr>
+          <p:cNvPr id="3" name="Content Placeholder 2">
+            <a:extLst>
+              <a:ext uri="{FF2B5EF4-FFF2-40B4-BE49-F238E27FC236}">
+                <a16:creationId xmlns:a16="http://schemas.microsoft.com/office/drawing/2014/main" id="{D310E527-92BF-4F8C-8048-41D0E889391C}"/>
+              </a:ext>
+            </a:extLst>
+          </p:cNvPr>
+          <p:cNvSpPr>
+            <a:spLocks noGrp="1"/>
+          </p:cNvSpPr>
+          <p:nvPr>
+            <p:ph idx="1"/>
+          </p:nvPr>
+        </p:nvSpPr>
+        <p:spPr>
+          <a:xfrm>
+            <a:off x="838200" y="1145219"/>
+            <a:ext cx="10515600" cy="5031744"/>
+          </a:xfrm>
+        </p:spPr>
+        <p:txBody>
+          <a:bodyPr/>
+          <a:lstStyle/>
+          <a:p>
+            <a:r>
+              <a:rPr lang="en-US" dirty="0"/>
+              <a:t>Write a Program to input a number from user and keep accepting till the number is not &gt; 100.</a:t>
+            </a:r>
+          </a:p>
+          <a:p>
+            <a:pPr marL="0" indent="0">
+              <a:buNone/>
+            </a:pPr>
+            <a:r>
+              <a:rPr lang="en-US" sz="1800" dirty="0"/>
+              <a:t>       &gt;&gt;while(True):</a:t>
+            </a:r>
+          </a:p>
+          <a:p>
+            <a:pPr marL="0" indent="0">
+              <a:buNone/>
+            </a:pPr>
+            <a:r>
+              <a:rPr lang="en-US" sz="1800" dirty="0"/>
+              <a:t>       n=int(input(“Enter a number:”))</a:t>
+            </a:r>
+          </a:p>
+          <a:p>
+            <a:pPr marL="0" indent="0">
+              <a:buNone/>
+            </a:pPr>
+            <a:r>
+              <a:rPr lang="en-US" sz="1800" dirty="0"/>
+              <a:t>        if n&gt;100:</a:t>
+            </a:r>
+          </a:p>
+          <a:p>
+            <a:pPr marL="0" indent="0">
+              <a:buNone/>
+            </a:pPr>
+            <a:r>
+              <a:rPr lang="en-US" sz="1800" dirty="0"/>
+              <a:t>           print(“Congrats, you have entered a number greater than 100\n”)</a:t>
+            </a:r>
+          </a:p>
+          <a:p>
+            <a:pPr marL="0" indent="0">
+              <a:buNone/>
+            </a:pPr>
+            <a:r>
+              <a:rPr lang="en-US" sz="1800" dirty="0"/>
+              <a:t>            </a:t>
+            </a:r>
+            <a:r>
+              <a:rPr lang="en-US" sz="1800" b="1" dirty="0"/>
+              <a:t>break</a:t>
+            </a:r>
+          </a:p>
+          <a:p>
+            <a:pPr marL="0" indent="0">
+              <a:buNone/>
+            </a:pPr>
+            <a:r>
+              <a:rPr lang="en-US" sz="1800" dirty="0"/>
+              <a:t>        else:</a:t>
+            </a:r>
+          </a:p>
+          <a:p>
+            <a:pPr marL="0" indent="0">
+              <a:buNone/>
+            </a:pPr>
+            <a:r>
+              <a:rPr lang="en-US" sz="1800" dirty="0"/>
+              <a:t>           print(“Try again!!\n”)</a:t>
+            </a:r>
+          </a:p>
+          <a:p>
+            <a:pPr marL="0" indent="0">
+              <a:buNone/>
+            </a:pPr>
+            <a:r>
+              <a:rPr lang="en-US" sz="1800" dirty="0"/>
+              <a:t>            </a:t>
+            </a:r>
+            <a:r>
+              <a:rPr lang="en-US" sz="1800" b="1" dirty="0"/>
+              <a:t>continue</a:t>
+            </a:r>
+            <a:endParaRPr lang="en-IN" sz="1800" b="1" dirty="0"/>
+          </a:p>
+        </p:txBody>
+      </p:sp>
+    </p:spTree>
+    <p:extLst>
+      <p:ext uri="{BB962C8B-B14F-4D97-AF65-F5344CB8AC3E}">
+        <p14:creationId xmlns:p14="http://schemas.microsoft.com/office/powerpoint/2010/main" val="2288171774"/>
+      </p:ext>
+    </p:extLst>
+  </p:cSld>
+  <p:clrMapOvr>
+    <a:masterClrMapping/>
+  </p:clrMapOvr>
+</p:sld>
+</file>
+
+<file path=ppt/slides/slide19.xml><?xml version="1.0" encoding="utf-8"?>
+<p:sld xmlns:a="http://schemas.openxmlformats.org/drawingml/2006/main" xmlns:r="http://schemas.openxmlformats.org/officeDocument/2006/relationships" xmlns:p="http://schemas.openxmlformats.org/presentationml/2006/main">
+  <p:cSld>
+    <p:spTree>
+      <p:nvGrpSpPr>
+        <p:cNvPr id="1" name=""/>
+        <p:cNvGrpSpPr/>
+        <p:nvPr/>
+      </p:nvGrpSpPr>
+      <p:grpSpPr>
+        <a:xfrm>
+          <a:off x="0" y="0"/>
+          <a:ext cx="0" cy="0"/>
+          <a:chOff x="0" y="0"/>
+          <a:chExt cx="0" cy="0"/>
+        </a:xfrm>
+      </p:grpSpPr>
+      <p:sp>
+        <p:nvSpPr>
+          <p:cNvPr id="2" name="Title 1">
+            <a:extLst>
+              <a:ext uri="{FF2B5EF4-FFF2-40B4-BE49-F238E27FC236}">
+                <a16:creationId xmlns:a16="http://schemas.microsoft.com/office/drawing/2014/main" id="{91965059-AB75-42EE-AC06-B67ECC7FD582}"/>
+              </a:ext>
+            </a:extLst>
+          </p:cNvPr>
+          <p:cNvSpPr>
+            <a:spLocks noGrp="1"/>
+          </p:cNvSpPr>
+          <p:nvPr>
+            <p:ph type="title"/>
+          </p:nvPr>
+        </p:nvSpPr>
+        <p:spPr>
+          <a:xfrm>
+            <a:off x="838200" y="365125"/>
+            <a:ext cx="10515600" cy="442743"/>
+          </a:xfrm>
+        </p:spPr>
+        <p:txBody>
+          <a:bodyPr>
+            <a:normAutofit fontScale="90000"/>
+          </a:bodyPr>
+          <a:lstStyle/>
+          <a:p>
+            <a:r>
+              <a:rPr lang="en-US" dirty="0"/>
+              <a:t>Pattern Printing in Python</a:t>
+            </a:r>
+            <a:endParaRPr lang="en-IN" dirty="0"/>
+          </a:p>
+        </p:txBody>
+      </p:sp>
+      <p:sp>
+        <p:nvSpPr>
+          <p:cNvPr id="3" name="Content Placeholder 2">
+            <a:extLst>
+              <a:ext uri="{FF2B5EF4-FFF2-40B4-BE49-F238E27FC236}">
+                <a16:creationId xmlns:a16="http://schemas.microsoft.com/office/drawing/2014/main" id="{767A07B0-CA11-4095-A2EF-9449C9DA1EF1}"/>
+              </a:ext>
+            </a:extLst>
+          </p:cNvPr>
+          <p:cNvSpPr>
+            <a:spLocks noGrp="1"/>
+          </p:cNvSpPr>
+          <p:nvPr>
+            <p:ph idx="1"/>
+          </p:nvPr>
+        </p:nvSpPr>
+        <p:spPr>
+          <a:xfrm>
+            <a:off x="768792" y="1334817"/>
+            <a:ext cx="4722920" cy="5076132"/>
+          </a:xfrm>
+        </p:spPr>
+        <p:txBody>
+          <a:bodyPr>
+            <a:normAutofit fontScale="77500" lnSpcReduction="20000"/>
+          </a:bodyPr>
+          <a:lstStyle/>
+          <a:p>
+            <a:pPr marL="0" indent="0">
+              <a:buNone/>
+            </a:pPr>
+            <a:r>
+              <a:rPr lang="en-US" sz="2000" dirty="0"/>
+              <a:t>print("How many rows you want to print:")</a:t>
+            </a:r>
+          </a:p>
+          <a:p>
+            <a:pPr marL="0" indent="0">
+              <a:buNone/>
+            </a:pPr>
+            <a:r>
+              <a:rPr lang="en-US" sz="2000" dirty="0"/>
+              <a:t>n=int(input("Enter n:"))</a:t>
+            </a:r>
+          </a:p>
+          <a:p>
+            <a:pPr marL="0" indent="0">
+              <a:buNone/>
+            </a:pPr>
+            <a:r>
+              <a:rPr lang="en-US" sz="2000" dirty="0"/>
+              <a:t>print("Type 1 or 0")</a:t>
+            </a:r>
+          </a:p>
+          <a:p>
+            <a:pPr marL="0" indent="0">
+              <a:buNone/>
+            </a:pPr>
+            <a:r>
+              <a:rPr lang="en-US" sz="2000" dirty="0" err="1"/>
+              <a:t>ch</a:t>
+            </a:r>
+            <a:r>
+              <a:rPr lang="en-US" sz="2000" dirty="0"/>
+              <a:t>=int(input("Enter choice:"))</a:t>
+            </a:r>
+          </a:p>
+          <a:p>
+            <a:pPr marL="0" indent="0">
+              <a:buNone/>
+            </a:pPr>
+            <a:r>
+              <a:rPr lang="en-US" sz="2000" dirty="0"/>
+              <a:t>b=bool(</a:t>
+            </a:r>
+            <a:r>
+              <a:rPr lang="en-US" sz="2000" dirty="0" err="1"/>
+              <a:t>ch</a:t>
+            </a:r>
+            <a:r>
+              <a:rPr lang="en-US" sz="2000" dirty="0"/>
+              <a:t>)</a:t>
+            </a:r>
+          </a:p>
+          <a:p>
+            <a:pPr marL="0" indent="0">
+              <a:buNone/>
+            </a:pPr>
+            <a:r>
+              <a:rPr lang="en-US" sz="2000" dirty="0"/>
+              <a:t>if b ==True:</a:t>
+            </a:r>
+          </a:p>
+          <a:p>
+            <a:pPr marL="0" indent="0">
+              <a:buNone/>
+            </a:pPr>
+            <a:r>
+              <a:rPr lang="en-US" sz="2000" dirty="0"/>
+              <a:t>    for </a:t>
+            </a:r>
+            <a:r>
+              <a:rPr lang="en-US" sz="2000" dirty="0" err="1"/>
+              <a:t>i</a:t>
+            </a:r>
+            <a:r>
+              <a:rPr lang="en-US" sz="2000" dirty="0"/>
+              <a:t> in range(1,n+1):</a:t>
+            </a:r>
+          </a:p>
+          <a:p>
+            <a:pPr marL="0" indent="0">
+              <a:buNone/>
+            </a:pPr>
+            <a:r>
+              <a:rPr lang="en-US" sz="2000" dirty="0"/>
+              <a:t>        </a:t>
+            </a:r>
+          </a:p>
+          <a:p>
+            <a:pPr marL="0" indent="0">
+              <a:buNone/>
+            </a:pPr>
+            <a:r>
+              <a:rPr lang="en-US" sz="2000" dirty="0"/>
+              <a:t>        for j in range(1,i+1):</a:t>
+            </a:r>
+          </a:p>
+          <a:p>
+            <a:pPr marL="0" indent="0">
+              <a:buNone/>
+            </a:pPr>
+            <a:r>
+              <a:rPr lang="en-US" sz="2000" dirty="0"/>
+              <a:t>           </a:t>
+            </a:r>
+          </a:p>
+          <a:p>
+            <a:pPr marL="0" indent="0">
+              <a:buNone/>
+            </a:pPr>
+            <a:r>
+              <a:rPr lang="en-US" sz="2000" dirty="0"/>
+              <a:t>           print("*",end="")</a:t>
+            </a:r>
+          </a:p>
+          <a:p>
+            <a:pPr marL="0" indent="0">
+              <a:buNone/>
+            </a:pPr>
+            <a:r>
+              <a:rPr lang="en-US" sz="2000" dirty="0"/>
+              <a:t>        print()</a:t>
+            </a:r>
+          </a:p>
+          <a:p>
+            <a:pPr marL="0" indent="0">
+              <a:buNone/>
+            </a:pPr>
+            <a:r>
+              <a:rPr lang="en-US" sz="2000" dirty="0" err="1"/>
+              <a:t>elif</a:t>
+            </a:r>
+            <a:r>
+              <a:rPr lang="en-US" sz="2000" dirty="0"/>
+              <a:t> b==False:</a:t>
+            </a:r>
+          </a:p>
+          <a:p>
+            <a:pPr marL="0" indent="0">
+              <a:buNone/>
+            </a:pPr>
+            <a:r>
+              <a:rPr lang="en-US" sz="2000" dirty="0"/>
+              <a:t>      for </a:t>
+            </a:r>
+            <a:r>
+              <a:rPr lang="en-US" sz="2000" dirty="0" err="1"/>
+              <a:t>i</a:t>
+            </a:r>
+            <a:r>
+              <a:rPr lang="en-US" sz="2000" dirty="0"/>
+              <a:t> in range(n,0,-1):</a:t>
+            </a:r>
+          </a:p>
+          <a:p>
+            <a:pPr marL="0" indent="0">
+              <a:buNone/>
+            </a:pPr>
+            <a:r>
+              <a:rPr lang="en-US" sz="2000" dirty="0"/>
+              <a:t>         for j in range(1,i+1):</a:t>
+            </a:r>
+          </a:p>
+          <a:p>
+            <a:pPr marL="0" indent="0">
+              <a:buNone/>
+            </a:pPr>
+            <a:r>
+              <a:rPr lang="en-US" sz="2000" dirty="0"/>
+              <a:t>            print("*",end="")</a:t>
+            </a:r>
+          </a:p>
+          <a:p>
+            <a:pPr marL="0" indent="0">
+              <a:buNone/>
+            </a:pPr>
+            <a:r>
+              <a:rPr lang="en-US" sz="2000" dirty="0"/>
+              <a:t>         print()</a:t>
+            </a:r>
+            <a:endParaRPr lang="en-IN" sz="2000" dirty="0"/>
+          </a:p>
+        </p:txBody>
+      </p:sp>
+      <p:sp>
+        <p:nvSpPr>
+          <p:cNvPr id="4" name="TextBox 3">
+            <a:extLst>
+              <a:ext uri="{FF2B5EF4-FFF2-40B4-BE49-F238E27FC236}">
+                <a16:creationId xmlns:a16="http://schemas.microsoft.com/office/drawing/2014/main" id="{0407A810-2A07-4055-8430-18A22AF60134}"/>
+              </a:ext>
+            </a:extLst>
+          </p:cNvPr>
+          <p:cNvSpPr txBox="1"/>
+          <p:nvPr/>
+        </p:nvSpPr>
+        <p:spPr>
+          <a:xfrm>
+            <a:off x="7014577" y="1305018"/>
+            <a:ext cx="4440575" cy="3416320"/>
+          </a:xfrm>
+          <a:prstGeom prst="rect">
+            <a:avLst/>
+          </a:prstGeom>
+          <a:noFill/>
+        </p:spPr>
+        <p:txBody>
+          <a:bodyPr wrap="none" rtlCol="0">
+            <a:spAutoFit/>
+          </a:bodyPr>
+          <a:lstStyle/>
+          <a:p>
+            <a:pPr marL="0" indent="0">
+              <a:buNone/>
+            </a:pPr>
+            <a:r>
+              <a:rPr lang="en-US" sz="1800" dirty="0"/>
+              <a:t>&gt;&gt;print(“How many rows you want to print:”)</a:t>
+            </a:r>
+          </a:p>
+          <a:p>
+            <a:pPr marL="0" indent="0">
+              <a:buNone/>
+            </a:pPr>
+            <a:r>
+              <a:rPr lang="en-US" sz="1800" dirty="0"/>
+              <a:t>&gt;&gt;n=int(input())</a:t>
+            </a:r>
+          </a:p>
+          <a:p>
+            <a:pPr marL="0" indent="0">
+              <a:buNone/>
+            </a:pPr>
+            <a:r>
+              <a:rPr lang="en-US" sz="1800" dirty="0"/>
+              <a:t>&gt;&gt;print(“Type 1 or 0”)</a:t>
+            </a:r>
+          </a:p>
+          <a:p>
+            <a:pPr marL="0" indent="0">
+              <a:buNone/>
+            </a:pPr>
+            <a:r>
+              <a:rPr lang="en-US" sz="1800" dirty="0"/>
+              <a:t>&gt;&gt;</a:t>
+            </a:r>
+            <a:r>
+              <a:rPr lang="en-US" sz="1800" dirty="0" err="1"/>
+              <a:t>ch</a:t>
+            </a:r>
+            <a:r>
+              <a:rPr lang="en-US" sz="1800" dirty="0"/>
+              <a:t>=int(input())</a:t>
+            </a:r>
+          </a:p>
+          <a:p>
+            <a:pPr marL="0" indent="0">
+              <a:buNone/>
+            </a:pPr>
+            <a:r>
+              <a:rPr lang="en-US" sz="1800" dirty="0"/>
+              <a:t>&gt;&gt;b=bool(</a:t>
+            </a:r>
+            <a:r>
+              <a:rPr lang="en-US" sz="1800" dirty="0" err="1"/>
+              <a:t>ch</a:t>
+            </a:r>
+            <a:r>
+              <a:rPr lang="en-US" sz="1800" dirty="0"/>
+              <a:t>)</a:t>
+            </a:r>
+          </a:p>
+          <a:p>
+            <a:pPr marL="0" indent="0">
+              <a:buNone/>
+            </a:pPr>
+            <a:r>
+              <a:rPr lang="en-US" sz="1800" dirty="0"/>
+              <a:t>&gt;&gt;if b ==True:</a:t>
+            </a:r>
+          </a:p>
+          <a:p>
+            <a:pPr marL="0" indent="0">
+              <a:buNone/>
+            </a:pPr>
+            <a:r>
+              <a:rPr lang="en-US" dirty="0"/>
+              <a:t>     for i in range(0,n-1):</a:t>
+            </a:r>
+          </a:p>
+          <a:p>
+            <a:pPr marL="0" indent="0">
+              <a:buNone/>
+            </a:pPr>
+            <a:r>
+              <a:rPr lang="en-US" sz="1800" dirty="0"/>
+              <a:t>           print(“*”*int(</a:t>
+            </a:r>
+            <a:r>
+              <a:rPr lang="en-US" sz="1800" dirty="0" err="1"/>
+              <a:t>i</a:t>
+            </a:r>
+            <a:r>
+              <a:rPr lang="en-US" sz="1800" dirty="0"/>
+              <a:t>))</a:t>
+            </a:r>
+          </a:p>
+          <a:p>
+            <a:r>
+              <a:rPr lang="en-US" sz="1800" dirty="0"/>
+              <a:t>  if b==False:</a:t>
+            </a:r>
+          </a:p>
+          <a:p>
+            <a:r>
+              <a:rPr lang="en-US" dirty="0"/>
+              <a:t>     for i in range(n,0,-1):</a:t>
+            </a:r>
+          </a:p>
+          <a:p>
+            <a:r>
+              <a:rPr lang="en-US" sz="1800" dirty="0"/>
+              <a:t>        print(“*”*int(</a:t>
+            </a:r>
+            <a:r>
+              <a:rPr lang="en-US" sz="1800" dirty="0" err="1"/>
+              <a:t>i</a:t>
+            </a:r>
+            <a:r>
+              <a:rPr lang="en-US" sz="1800" dirty="0"/>
+              <a:t>))</a:t>
+            </a:r>
+          </a:p>
+          <a:p>
+            <a:pPr marL="0" indent="0">
+              <a:buNone/>
+            </a:pPr>
+            <a:endParaRPr lang="en-US" sz="1800" dirty="0"/>
+          </a:p>
+        </p:txBody>
+      </p:sp>
+      <p:cxnSp>
+        <p:nvCxnSpPr>
+          <p:cNvPr id="6" name="Straight Connector 5">
+            <a:extLst>
+              <a:ext uri="{FF2B5EF4-FFF2-40B4-BE49-F238E27FC236}">
+                <a16:creationId xmlns:a16="http://schemas.microsoft.com/office/drawing/2014/main" id="{F949401A-956E-4FB9-AF98-ADA21E611DAD}"/>
+              </a:ext>
+            </a:extLst>
+          </p:cNvPr>
+          <p:cNvCxnSpPr/>
+          <p:nvPr/>
+        </p:nvCxnSpPr>
+        <p:spPr>
+          <a:xfrm>
+            <a:off x="6338656" y="887767"/>
+            <a:ext cx="0" cy="5970233"/>
+          </a:xfrm>
+          <a:prstGeom prst="line">
+            <a:avLst/>
+          </a:prstGeom>
+        </p:spPr>
+        <p:style>
+          <a:lnRef idx="1">
+            <a:schemeClr val="dk1"/>
+          </a:lnRef>
+          <a:fillRef idx="0">
+            <a:schemeClr val="dk1"/>
+          </a:fillRef>
+          <a:effectRef idx="0">
+            <a:schemeClr val="dk1"/>
+          </a:effectRef>
+          <a:fontRef idx="minor">
+            <a:schemeClr val="tx1"/>
+          </a:fontRef>
+        </p:style>
+      </p:cxnSp>
+      <p:sp>
+        <p:nvSpPr>
+          <p:cNvPr id="7" name="Arrow: Right 6">
+            <a:extLst>
+              <a:ext uri="{FF2B5EF4-FFF2-40B4-BE49-F238E27FC236}">
+                <a16:creationId xmlns:a16="http://schemas.microsoft.com/office/drawing/2014/main" id="{8EA26B21-53A8-4302-8F81-1516B126AEF4}"/>
+              </a:ext>
+            </a:extLst>
+          </p:cNvPr>
+          <p:cNvSpPr/>
+          <p:nvPr/>
+        </p:nvSpPr>
+        <p:spPr>
+          <a:xfrm>
+            <a:off x="5865180" y="2848941"/>
+            <a:ext cx="888985" cy="328473"/>
+          </a:xfrm>
+          <a:prstGeom prst="rightArrow">
+            <a:avLst/>
+          </a:prstGeom>
+        </p:spPr>
+        <p:style>
+          <a:lnRef idx="2">
+            <a:schemeClr val="dk1">
+              <a:shade val="50000"/>
+            </a:schemeClr>
+          </a:lnRef>
+          <a:fillRef idx="1">
+            <a:schemeClr val="dk1"/>
+          </a:fillRef>
+          <a:effectRef idx="0">
+            <a:schemeClr val="dk1"/>
+          </a:effectRef>
+          <a:fontRef idx="minor">
+            <a:schemeClr val="lt1"/>
+          </a:fontRef>
+        </p:style>
+        <p:txBody>
+          <a:bodyPr rtlCol="0" anchor="ctr"/>
+          <a:lstStyle/>
+          <a:p>
+            <a:pPr algn="ctr"/>
+            <a:endParaRPr lang="en-IN"/>
+          </a:p>
+        </p:txBody>
+      </p:sp>
+      <p:sp>
+        <p:nvSpPr>
+          <p:cNvPr id="8" name="TextBox 7">
+            <a:extLst>
+              <a:ext uri="{FF2B5EF4-FFF2-40B4-BE49-F238E27FC236}">
+                <a16:creationId xmlns:a16="http://schemas.microsoft.com/office/drawing/2014/main" id="{AB21CC64-8278-4CDD-AC7D-41E5F78190B3}"/>
+              </a:ext>
+            </a:extLst>
+          </p:cNvPr>
+          <p:cNvSpPr txBox="1"/>
+          <p:nvPr/>
+        </p:nvSpPr>
+        <p:spPr>
+          <a:xfrm>
+            <a:off x="5936639" y="2584376"/>
+            <a:ext cx="461986" cy="369332"/>
+          </a:xfrm>
+          <a:prstGeom prst="rect">
+            <a:avLst/>
+          </a:prstGeom>
+          <a:noFill/>
+        </p:spPr>
+        <p:txBody>
+          <a:bodyPr wrap="none" rtlCol="0">
+            <a:spAutoFit/>
+          </a:bodyPr>
+          <a:lstStyle/>
+          <a:p>
+            <a:r>
+              <a:rPr lang="en-US" dirty="0"/>
+              <a:t>OR</a:t>
+            </a:r>
+            <a:endParaRPr lang="en-IN" dirty="0"/>
+          </a:p>
+        </p:txBody>
+      </p:sp>
+    </p:spTree>
+    <p:extLst>
+      <p:ext uri="{BB962C8B-B14F-4D97-AF65-F5344CB8AC3E}">
+        <p14:creationId xmlns:p14="http://schemas.microsoft.com/office/powerpoint/2010/main" val="3310093546"/>
       </p:ext>
     </p:extLst>
   </p:cSld>
@@ -4868,7 +6972,10 @@
             <a:ext cx="3435659" cy="1740023"/>
           </a:xfrm>
           <a:prstGeom prst="cloudCallout">
-            <a:avLst/>
+            <a:avLst>
+              <a:gd name="adj1" fmla="val -40730"/>
+              <a:gd name="adj2" fmla="val 57908"/>
+            </a:avLst>
           </a:prstGeom>
         </p:spPr>
         <p:style>
@@ -5053,6 +7160,811 @@
 </p:sld>
 </file>
 
+<file path=ppt/slides/slide20.xml><?xml version="1.0" encoding="utf-8"?>
+<p:sld xmlns:a="http://schemas.openxmlformats.org/drawingml/2006/main" xmlns:r="http://schemas.openxmlformats.org/officeDocument/2006/relationships" xmlns:p="http://schemas.openxmlformats.org/presentationml/2006/main">
+  <p:cSld>
+    <p:spTree>
+      <p:nvGrpSpPr>
+        <p:cNvPr id="1" name=""/>
+        <p:cNvGrpSpPr/>
+        <p:nvPr/>
+      </p:nvGrpSpPr>
+      <p:grpSpPr>
+        <a:xfrm>
+          <a:off x="0" y="0"/>
+          <a:ext cx="0" cy="0"/>
+          <a:chOff x="0" y="0"/>
+          <a:chExt cx="0" cy="0"/>
+        </a:xfrm>
+      </p:grpSpPr>
+      <p:sp>
+        <p:nvSpPr>
+          <p:cNvPr id="2" name="Title 1">
+            <a:extLst>
+              <a:ext uri="{FF2B5EF4-FFF2-40B4-BE49-F238E27FC236}">
+                <a16:creationId xmlns:a16="http://schemas.microsoft.com/office/drawing/2014/main" id="{670271BB-E5E8-4EB4-A045-9768F3980F2D}"/>
+              </a:ext>
+            </a:extLst>
+          </p:cNvPr>
+          <p:cNvSpPr>
+            <a:spLocks noGrp="1"/>
+          </p:cNvSpPr>
+          <p:nvPr>
+            <p:ph type="title"/>
+          </p:nvPr>
+        </p:nvSpPr>
+        <p:spPr>
+          <a:xfrm>
+            <a:off x="838200" y="365125"/>
+            <a:ext cx="10515600" cy="487131"/>
+          </a:xfrm>
+        </p:spPr>
+        <p:txBody>
+          <a:bodyPr>
+            <a:normAutofit fontScale="90000"/>
+          </a:bodyPr>
+          <a:lstStyle/>
+          <a:p>
+            <a:r>
+              <a:rPr lang="en-US" dirty="0"/>
+              <a:t>Using Else With for loops</a:t>
+            </a:r>
+            <a:endParaRPr lang="en-IN" dirty="0"/>
+          </a:p>
+        </p:txBody>
+      </p:sp>
+      <p:sp>
+        <p:nvSpPr>
+          <p:cNvPr id="3" name="Content Placeholder 2">
+            <a:extLst>
+              <a:ext uri="{FF2B5EF4-FFF2-40B4-BE49-F238E27FC236}">
+                <a16:creationId xmlns:a16="http://schemas.microsoft.com/office/drawing/2014/main" id="{E3BBF84A-AFBA-40A6-9CF2-9F738B4B7FB0}"/>
+              </a:ext>
+            </a:extLst>
+          </p:cNvPr>
+          <p:cNvSpPr>
+            <a:spLocks noGrp="1"/>
+          </p:cNvSpPr>
+          <p:nvPr>
+            <p:ph idx="1"/>
+          </p:nvPr>
+        </p:nvSpPr>
+        <p:spPr>
+          <a:xfrm>
+            <a:off x="772357" y="1269507"/>
+            <a:ext cx="11105965" cy="5477522"/>
+          </a:xfrm>
+        </p:spPr>
+        <p:txBody>
+          <a:bodyPr/>
+          <a:lstStyle/>
+          <a:p>
+            <a:r>
+              <a:rPr lang="en-US" dirty="0"/>
+              <a:t>Basically for loop terminates in two situations:</a:t>
+            </a:r>
+          </a:p>
+          <a:p>
+            <a:r>
+              <a:rPr lang="en-US" dirty="0"/>
+              <a:t>When the </a:t>
+            </a:r>
+            <a:r>
+              <a:rPr lang="en-US" b="1" dirty="0"/>
+              <a:t>iterable</a:t>
+            </a:r>
+            <a:r>
+              <a:rPr lang="en-US" dirty="0"/>
+              <a:t> is complete or when there is </a:t>
+            </a:r>
+            <a:r>
+              <a:rPr lang="en-US" b="1" dirty="0"/>
+              <a:t>break</a:t>
+            </a:r>
+            <a:r>
+              <a:rPr lang="en-US" dirty="0"/>
+              <a:t> in loop.</a:t>
+            </a:r>
+          </a:p>
+          <a:p>
+            <a:r>
+              <a:rPr lang="en-IN" dirty="0"/>
+              <a:t>When for loop normally ends then, python control goes into </a:t>
+            </a:r>
+            <a:r>
+              <a:rPr lang="en-IN" b="1" dirty="0"/>
+              <a:t>else</a:t>
+            </a:r>
+            <a:r>
+              <a:rPr lang="en-IN" dirty="0"/>
+              <a:t> statement.</a:t>
+            </a:r>
+          </a:p>
+          <a:p>
+            <a:r>
+              <a:rPr lang="en-IN" dirty="0"/>
+              <a:t>Example:</a:t>
+            </a:r>
+          </a:p>
+        </p:txBody>
+      </p:sp>
+      <p:sp>
+        <p:nvSpPr>
+          <p:cNvPr id="4" name="Rectangle 1">
+            <a:extLst>
+              <a:ext uri="{FF2B5EF4-FFF2-40B4-BE49-F238E27FC236}">
+                <a16:creationId xmlns:a16="http://schemas.microsoft.com/office/drawing/2014/main" id="{60943C17-CD02-4F67-8E31-503EE079D4AF}"/>
+              </a:ext>
+            </a:extLst>
+          </p:cNvPr>
+          <p:cNvSpPr>
+            <a:spLocks noChangeArrowheads="1"/>
+          </p:cNvSpPr>
+          <p:nvPr/>
+        </p:nvSpPr>
+        <p:spPr bwMode="auto">
+          <a:xfrm>
+            <a:off x="1083076" y="3692108"/>
+            <a:ext cx="5237825" cy="2800767"/>
+          </a:xfrm>
+          <a:prstGeom prst="rect">
+            <a:avLst/>
+          </a:prstGeom>
+          <a:solidFill>
+            <a:srgbClr val="FFFFFF"/>
+          </a:solidFill>
+          <a:ln>
+            <a:noFill/>
+          </a:ln>
+          <a:effectLst/>
+          <a:extLst>
+            <a:ext uri="{91240B29-F687-4F45-9708-019B960494DF}">
+              <a14:hiddenLine xmlns:a14="http://schemas.microsoft.com/office/drawing/2010/main" w="9525">
+                <a:solidFill>
+                  <a:schemeClr val="tx1"/>
+                </a:solidFill>
+                <a:miter lim="800000"/>
+                <a:headEnd/>
+                <a:tailEnd/>
+              </a14:hiddenLine>
+            </a:ext>
+            <a:ext uri="{AF507438-7753-43E0-B8FC-AC1667EBCBE1}">
+              <a14:hiddenEffects xmlns:a14="http://schemas.microsoft.com/office/drawing/2010/main">
+                <a:effectLst>
+                  <a:outerShdw dist="35921" dir="2700000" algn="ctr" rotWithShape="0">
+                    <a:schemeClr val="bg2"/>
+                  </a:outerShdw>
+                </a:effectLst>
+              </a14:hiddenEffects>
+            </a:ext>
+          </a:extLst>
+        </p:spPr>
+        <p:txBody>
+          <a:bodyPr vert="horz" wrap="square" lIns="91440" tIns="45720" rIns="91440" bIns="45720" numCol="1" anchor="ctr" anchorCtr="0" compatLnSpc="1">
+            <a:prstTxWarp prst="textNoShape">
+              <a:avLst/>
+            </a:prstTxWarp>
+            <a:spAutoFit/>
+          </a:bodyPr>
+          <a:lstStyle/>
+          <a:p>
+            <a:pPr marL="0" marR="0" lvl="0" indent="0" algn="l" defTabSz="914400" rtl="0" eaLnBrk="0" fontAlgn="base" latinLnBrk="0" hangingPunct="0">
+              <a:lnSpc>
+                <a:spcPct val="100000"/>
+              </a:lnSpc>
+              <a:spcBef>
+                <a:spcPct val="0"/>
+              </a:spcBef>
+              <a:spcAft>
+                <a:spcPct val="0"/>
+              </a:spcAft>
+              <a:buClrTx/>
+              <a:buSzTx/>
+              <a:buFontTx/>
+              <a:buNone/>
+              <a:tabLst/>
+            </a:pPr>
+            <a:r>
+              <a:rPr kumimoji="0" lang="en-US" altLang="en-US" sz="1600" b="0" i="1" u="none" strike="noStrike" cap="none" normalizeH="0" baseline="0" dirty="0">
+                <a:ln>
+                  <a:noFill/>
+                </a:ln>
+                <a:solidFill>
+                  <a:srgbClr val="8C8C8C"/>
+                </a:solidFill>
+                <a:effectLst/>
+                <a:latin typeface="JetBrains Mono"/>
+              </a:rPr>
+              <a:t>#Using else with for loops</a:t>
+            </a:r>
+            <a:br>
+              <a:rPr kumimoji="0" lang="en-US" altLang="en-US" sz="1600" b="0" i="1" u="none" strike="noStrike" cap="none" normalizeH="0" baseline="0" dirty="0">
+                <a:ln>
+                  <a:noFill/>
+                </a:ln>
+                <a:solidFill>
+                  <a:srgbClr val="8C8C8C"/>
+                </a:solidFill>
+                <a:effectLst/>
+                <a:latin typeface="JetBrains Mono"/>
+              </a:rPr>
+            </a:br>
+            <a:r>
+              <a:rPr kumimoji="0" lang="en-US" altLang="en-US" sz="1600" b="0" i="0" u="none" strike="noStrike" cap="none" normalizeH="0" baseline="0" dirty="0">
+                <a:ln>
+                  <a:noFill/>
+                </a:ln>
+                <a:solidFill>
+                  <a:srgbClr val="080808"/>
+                </a:solidFill>
+                <a:effectLst/>
+                <a:latin typeface="JetBrains Mono"/>
+              </a:rPr>
+              <a:t>menu=[</a:t>
+            </a:r>
+            <a:r>
+              <a:rPr kumimoji="0" lang="en-US" altLang="en-US" sz="1600" b="1" i="0" u="none" strike="noStrike" cap="none" normalizeH="0" baseline="0" dirty="0">
+                <a:ln>
+                  <a:noFill/>
+                </a:ln>
+                <a:solidFill>
+                  <a:srgbClr val="008080"/>
+                </a:solidFill>
+                <a:effectLst/>
+                <a:latin typeface="JetBrains Mono"/>
+              </a:rPr>
+              <a:t>"roti"</a:t>
+            </a:r>
+            <a:r>
+              <a:rPr kumimoji="0" lang="en-US" altLang="en-US" sz="1600" b="0" i="0" u="none" strike="noStrike" cap="none" normalizeH="0" baseline="0" dirty="0">
+                <a:ln>
+                  <a:noFill/>
+                </a:ln>
+                <a:solidFill>
+                  <a:srgbClr val="080808"/>
+                </a:solidFill>
+                <a:effectLst/>
+                <a:latin typeface="JetBrains Mono"/>
+              </a:rPr>
+              <a:t>,</a:t>
+            </a:r>
+            <a:r>
+              <a:rPr kumimoji="0" lang="en-US" altLang="en-US" sz="1600" b="1" i="0" u="none" strike="noStrike" cap="none" normalizeH="0" baseline="0" dirty="0">
+                <a:ln>
+                  <a:noFill/>
+                </a:ln>
+                <a:solidFill>
+                  <a:srgbClr val="008080"/>
+                </a:solidFill>
+                <a:effectLst/>
+                <a:latin typeface="JetBrains Mono"/>
+              </a:rPr>
+              <a:t>"</a:t>
+            </a:r>
+            <a:r>
+              <a:rPr kumimoji="0" lang="en-US" altLang="en-US" sz="1600" b="1" i="0" u="none" strike="noStrike" cap="none" normalizeH="0" baseline="0" dirty="0" err="1">
+                <a:ln>
+                  <a:noFill/>
+                </a:ln>
+                <a:solidFill>
+                  <a:srgbClr val="008080"/>
+                </a:solidFill>
+                <a:effectLst/>
+                <a:latin typeface="JetBrains Mono"/>
+              </a:rPr>
+              <a:t>sabji</a:t>
+            </a:r>
+            <a:r>
+              <a:rPr kumimoji="0" lang="en-US" altLang="en-US" sz="1600" b="1" i="0" u="none" strike="noStrike" cap="none" normalizeH="0" baseline="0" dirty="0">
+                <a:ln>
+                  <a:noFill/>
+                </a:ln>
+                <a:solidFill>
+                  <a:srgbClr val="008080"/>
+                </a:solidFill>
+                <a:effectLst/>
+                <a:latin typeface="JetBrains Mono"/>
+              </a:rPr>
+              <a:t>"</a:t>
+            </a:r>
+            <a:r>
+              <a:rPr kumimoji="0" lang="en-US" altLang="en-US" sz="1600" b="0" i="0" u="none" strike="noStrike" cap="none" normalizeH="0" baseline="0" dirty="0">
+                <a:ln>
+                  <a:noFill/>
+                </a:ln>
+                <a:solidFill>
+                  <a:srgbClr val="080808"/>
+                </a:solidFill>
+                <a:effectLst/>
+                <a:latin typeface="JetBrains Mono"/>
+              </a:rPr>
+              <a:t>,</a:t>
+            </a:r>
+            <a:r>
+              <a:rPr kumimoji="0" lang="en-US" altLang="en-US" sz="1600" b="1" i="0" u="none" strike="noStrike" cap="none" normalizeH="0" baseline="0" dirty="0">
+                <a:ln>
+                  <a:noFill/>
+                </a:ln>
+                <a:solidFill>
+                  <a:srgbClr val="008080"/>
+                </a:solidFill>
+                <a:effectLst/>
+                <a:latin typeface="JetBrains Mono"/>
+              </a:rPr>
+              <a:t>"chawal“</a:t>
+            </a:r>
+            <a:r>
+              <a:rPr kumimoji="0" lang="en-US" altLang="en-US" sz="1600" b="0" i="0" u="none" strike="noStrike" cap="none" normalizeH="0" baseline="0" dirty="0">
+                <a:ln>
+                  <a:noFill/>
+                </a:ln>
+                <a:solidFill>
+                  <a:srgbClr val="080808"/>
+                </a:solidFill>
+                <a:effectLst/>
+                <a:latin typeface="JetBrains Mono"/>
+              </a:rPr>
+              <a:t>]</a:t>
+            </a:r>
+            <a:br>
+              <a:rPr kumimoji="0" lang="en-US" altLang="en-US" sz="1600" b="0" i="0" u="none" strike="noStrike" cap="none" normalizeH="0" baseline="0" dirty="0">
+                <a:ln>
+                  <a:noFill/>
+                </a:ln>
+                <a:solidFill>
+                  <a:srgbClr val="080808"/>
+                </a:solidFill>
+                <a:effectLst/>
+                <a:latin typeface="JetBrains Mono"/>
+              </a:rPr>
+            </a:br>
+            <a:r>
+              <a:rPr kumimoji="0" lang="en-US" altLang="en-US" sz="1600" b="0" i="0" u="none" strike="noStrike" cap="none" normalizeH="0" baseline="0" dirty="0">
+                <a:ln>
+                  <a:noFill/>
+                </a:ln>
+                <a:solidFill>
+                  <a:srgbClr val="0033B3"/>
+                </a:solidFill>
+                <a:effectLst/>
+                <a:latin typeface="JetBrains Mono"/>
+              </a:rPr>
+              <a:t>for </a:t>
+            </a:r>
+            <a:r>
+              <a:rPr kumimoji="0" lang="en-US" altLang="en-US" sz="1600" b="0" i="0" u="none" strike="noStrike" cap="none" normalizeH="0" baseline="0" dirty="0">
+                <a:ln>
+                  <a:noFill/>
+                </a:ln>
+                <a:solidFill>
+                  <a:srgbClr val="080808"/>
+                </a:solidFill>
+                <a:effectLst/>
+                <a:latin typeface="JetBrains Mono"/>
+              </a:rPr>
+              <a:t>item </a:t>
+            </a:r>
+            <a:r>
+              <a:rPr kumimoji="0" lang="en-US" altLang="en-US" sz="1600" b="0" i="0" u="none" strike="noStrike" cap="none" normalizeH="0" baseline="0" dirty="0">
+                <a:ln>
+                  <a:noFill/>
+                </a:ln>
+                <a:solidFill>
+                  <a:srgbClr val="0033B3"/>
+                </a:solidFill>
+                <a:effectLst/>
+                <a:latin typeface="JetBrains Mono"/>
+              </a:rPr>
+              <a:t>in </a:t>
+            </a:r>
+            <a:r>
+              <a:rPr kumimoji="0" lang="en-US" altLang="en-US" sz="1600" b="0" i="0" u="none" strike="noStrike" cap="none" normalizeH="0" baseline="0" dirty="0">
+                <a:ln>
+                  <a:noFill/>
+                </a:ln>
+                <a:solidFill>
+                  <a:srgbClr val="080808"/>
+                </a:solidFill>
+                <a:effectLst/>
+                <a:latin typeface="JetBrains Mono"/>
+              </a:rPr>
+              <a:t>menu:</a:t>
+            </a:r>
+            <a:br>
+              <a:rPr kumimoji="0" lang="en-US" altLang="en-US" sz="1600" b="0" i="0" u="none" strike="noStrike" cap="none" normalizeH="0" baseline="0" dirty="0">
+                <a:ln>
+                  <a:noFill/>
+                </a:ln>
+                <a:solidFill>
+                  <a:srgbClr val="080808"/>
+                </a:solidFill>
+                <a:effectLst/>
+                <a:latin typeface="JetBrains Mono"/>
+              </a:rPr>
+            </a:br>
+            <a:r>
+              <a:rPr kumimoji="0" lang="en-US" altLang="en-US" sz="1600" b="0" i="0" u="none" strike="noStrike" cap="none" normalizeH="0" baseline="0" dirty="0">
+                <a:ln>
+                  <a:noFill/>
+                </a:ln>
+                <a:solidFill>
+                  <a:srgbClr val="080808"/>
+                </a:solidFill>
+                <a:effectLst/>
+                <a:latin typeface="JetBrains Mono"/>
+              </a:rPr>
+              <a:t>    </a:t>
+            </a:r>
+            <a:r>
+              <a:rPr kumimoji="0" lang="en-US" altLang="en-US" sz="1600" b="0" i="0" u="none" strike="noStrike" cap="none" normalizeH="0" baseline="0" dirty="0">
+                <a:ln>
+                  <a:noFill/>
+                </a:ln>
+                <a:solidFill>
+                  <a:srgbClr val="0033B3"/>
+                </a:solidFill>
+                <a:effectLst/>
+                <a:latin typeface="JetBrains Mono"/>
+              </a:rPr>
+              <a:t>if </a:t>
+            </a:r>
+            <a:r>
+              <a:rPr kumimoji="0" lang="en-US" altLang="en-US" sz="1600" b="0" i="0" u="none" strike="noStrike" cap="none" normalizeH="0" baseline="0" dirty="0">
+                <a:ln>
+                  <a:noFill/>
+                </a:ln>
+                <a:solidFill>
+                  <a:srgbClr val="080808"/>
+                </a:solidFill>
+                <a:effectLst/>
+                <a:latin typeface="JetBrains Mono"/>
+              </a:rPr>
+              <a:t>item==</a:t>
+            </a:r>
+            <a:r>
+              <a:rPr kumimoji="0" lang="en-US" altLang="en-US" sz="1600" b="1" i="0" u="none" strike="noStrike" cap="none" normalizeH="0" baseline="0" dirty="0">
+                <a:ln>
+                  <a:noFill/>
+                </a:ln>
+                <a:solidFill>
+                  <a:srgbClr val="008080"/>
+                </a:solidFill>
+                <a:effectLst/>
+                <a:latin typeface="JetBrains Mono"/>
+              </a:rPr>
+              <a:t>"</a:t>
+            </a:r>
+            <a:r>
+              <a:rPr kumimoji="0" lang="en-US" altLang="en-US" sz="1600" b="1" i="0" u="none" strike="noStrike" cap="none" normalizeH="0" baseline="0" dirty="0" err="1">
+                <a:ln>
+                  <a:noFill/>
+                </a:ln>
+                <a:solidFill>
+                  <a:srgbClr val="008080"/>
+                </a:solidFill>
+                <a:effectLst/>
+                <a:latin typeface="JetBrains Mono"/>
+              </a:rPr>
+              <a:t>rotiroll</a:t>
+            </a:r>
+            <a:r>
+              <a:rPr kumimoji="0" lang="en-US" altLang="en-US" sz="1600" b="1" i="0" u="none" strike="noStrike" cap="none" normalizeH="0" baseline="0" dirty="0">
+                <a:ln>
+                  <a:noFill/>
+                </a:ln>
+                <a:solidFill>
+                  <a:srgbClr val="008080"/>
+                </a:solidFill>
+                <a:effectLst/>
+                <a:latin typeface="JetBrains Mono"/>
+              </a:rPr>
+              <a:t>"</a:t>
+            </a:r>
+            <a:r>
+              <a:rPr kumimoji="0" lang="en-US" altLang="en-US" sz="1600" b="0" i="0" u="none" strike="noStrike" cap="none" normalizeH="0" baseline="0" dirty="0">
+                <a:ln>
+                  <a:noFill/>
+                </a:ln>
+                <a:solidFill>
+                  <a:srgbClr val="080808"/>
+                </a:solidFill>
+                <a:effectLst/>
+                <a:latin typeface="JetBrains Mono"/>
+              </a:rPr>
+              <a:t>:</a:t>
+            </a:r>
+            <a:br>
+              <a:rPr kumimoji="0" lang="en-US" altLang="en-US" sz="1600" b="0" i="0" u="none" strike="noStrike" cap="none" normalizeH="0" baseline="0" dirty="0">
+                <a:ln>
+                  <a:noFill/>
+                </a:ln>
+                <a:solidFill>
+                  <a:srgbClr val="080808"/>
+                </a:solidFill>
+                <a:effectLst/>
+                <a:latin typeface="JetBrains Mono"/>
+              </a:rPr>
+            </a:br>
+            <a:r>
+              <a:rPr kumimoji="0" lang="en-US" altLang="en-US" sz="1600" b="0" i="0" u="none" strike="noStrike" cap="none" normalizeH="0" baseline="0" dirty="0">
+                <a:ln>
+                  <a:noFill/>
+                </a:ln>
+                <a:solidFill>
+                  <a:srgbClr val="080808"/>
+                </a:solidFill>
+                <a:effectLst/>
+                <a:latin typeface="JetBrains Mono"/>
+              </a:rPr>
+              <a:t>        </a:t>
+            </a:r>
+            <a:r>
+              <a:rPr kumimoji="0" lang="en-US" altLang="en-US" sz="1600" b="0" i="0" u="none" strike="noStrike" cap="none" normalizeH="0" baseline="0" dirty="0">
+                <a:ln>
+                  <a:noFill/>
+                </a:ln>
+                <a:solidFill>
+                  <a:srgbClr val="0033B3"/>
+                </a:solidFill>
+                <a:effectLst/>
+                <a:latin typeface="JetBrains Mono"/>
+              </a:rPr>
+              <a:t>break</a:t>
+            </a:r>
+            <a:br>
+              <a:rPr kumimoji="0" lang="en-US" altLang="en-US" sz="1600" b="0" i="0" u="none" strike="noStrike" cap="none" normalizeH="0" baseline="0" dirty="0">
+                <a:ln>
+                  <a:noFill/>
+                </a:ln>
+                <a:solidFill>
+                  <a:srgbClr val="0033B3"/>
+                </a:solidFill>
+                <a:effectLst/>
+                <a:latin typeface="JetBrains Mono"/>
+              </a:rPr>
+            </a:br>
+            <a:r>
+              <a:rPr kumimoji="0" lang="en-US" altLang="en-US" sz="1600" b="0" i="0" u="none" strike="noStrike" cap="none" normalizeH="0" baseline="0" dirty="0">
+                <a:ln>
+                  <a:noFill/>
+                </a:ln>
+                <a:solidFill>
+                  <a:srgbClr val="0033B3"/>
+                </a:solidFill>
+                <a:effectLst/>
+                <a:latin typeface="JetBrains Mono"/>
+              </a:rPr>
+              <a:t>    </a:t>
+            </a:r>
+            <a:r>
+              <a:rPr kumimoji="0" lang="en-US" altLang="en-US" sz="1600" b="0" i="1" u="none" strike="noStrike" cap="none" normalizeH="0" baseline="0" dirty="0">
+                <a:ln>
+                  <a:noFill/>
+                </a:ln>
+                <a:solidFill>
+                  <a:srgbClr val="8C8C8C"/>
+                </a:solidFill>
+                <a:effectLst/>
+                <a:latin typeface="JetBrains Mono"/>
+              </a:rPr>
+              <a:t># if item=="paratha":</a:t>
+            </a:r>
+            <a:br>
+              <a:rPr kumimoji="0" lang="en-US" altLang="en-US" sz="1600" b="0" i="1" u="none" strike="noStrike" cap="none" normalizeH="0" baseline="0" dirty="0">
+                <a:ln>
+                  <a:noFill/>
+                </a:ln>
+                <a:solidFill>
+                  <a:srgbClr val="8C8C8C"/>
+                </a:solidFill>
+                <a:effectLst/>
+                <a:latin typeface="JetBrains Mono"/>
+              </a:rPr>
+            </a:br>
+            <a:r>
+              <a:rPr kumimoji="0" lang="en-US" altLang="en-US" sz="1600" b="0" i="1" u="none" strike="noStrike" cap="none" normalizeH="0" baseline="0" dirty="0">
+                <a:ln>
+                  <a:noFill/>
+                </a:ln>
+                <a:solidFill>
+                  <a:srgbClr val="8C8C8C"/>
+                </a:solidFill>
+                <a:effectLst/>
+                <a:latin typeface="JetBrains Mono"/>
+              </a:rPr>
+              <a:t>    #     break</a:t>
+            </a:r>
+            <a:br>
+              <a:rPr kumimoji="0" lang="en-US" altLang="en-US" sz="1600" b="0" i="1" u="none" strike="noStrike" cap="none" normalizeH="0" baseline="0" dirty="0">
+                <a:ln>
+                  <a:noFill/>
+                </a:ln>
+                <a:solidFill>
+                  <a:srgbClr val="8C8C8C"/>
+                </a:solidFill>
+                <a:effectLst/>
+                <a:latin typeface="JetBrains Mono"/>
+              </a:rPr>
+            </a:br>
+            <a:r>
+              <a:rPr kumimoji="0" lang="en-US" altLang="en-US" sz="1600" b="0" i="1" u="none" strike="noStrike" cap="none" normalizeH="0" baseline="0" dirty="0">
+                <a:ln>
+                  <a:noFill/>
+                </a:ln>
+                <a:solidFill>
+                  <a:srgbClr val="8C8C8C"/>
+                </a:solidFill>
+                <a:effectLst/>
+                <a:latin typeface="JetBrains Mono"/>
+              </a:rPr>
+              <a:t>    # print(item)</a:t>
+            </a:r>
+            <a:br>
+              <a:rPr kumimoji="0" lang="en-US" altLang="en-US" sz="1600" b="0" i="1" u="none" strike="noStrike" cap="none" normalizeH="0" baseline="0" dirty="0">
+                <a:ln>
+                  <a:noFill/>
+                </a:ln>
+                <a:solidFill>
+                  <a:srgbClr val="8C8C8C"/>
+                </a:solidFill>
+                <a:effectLst/>
+                <a:latin typeface="JetBrains Mono"/>
+              </a:rPr>
+            </a:br>
+            <a:r>
+              <a:rPr kumimoji="0" lang="en-US" altLang="en-US" sz="1600" b="0" i="1" u="none" strike="noStrike" cap="none" normalizeH="0" baseline="0" dirty="0">
+                <a:ln>
+                  <a:noFill/>
+                </a:ln>
+                <a:solidFill>
+                  <a:srgbClr val="8C8C8C"/>
+                </a:solidFill>
+                <a:effectLst/>
+                <a:latin typeface="JetBrains Mono"/>
+              </a:rPr>
+              <a:t>    # break</a:t>
+            </a:r>
+            <a:br>
+              <a:rPr kumimoji="0" lang="en-US" altLang="en-US" sz="1600" b="0" i="1" u="none" strike="noStrike" cap="none" normalizeH="0" baseline="0" dirty="0">
+                <a:ln>
+                  <a:noFill/>
+                </a:ln>
+                <a:solidFill>
+                  <a:srgbClr val="8C8C8C"/>
+                </a:solidFill>
+                <a:effectLst/>
+                <a:latin typeface="JetBrains Mono"/>
+              </a:rPr>
+            </a:br>
+            <a:r>
+              <a:rPr kumimoji="0" lang="en-US" altLang="en-US" sz="1600" b="0" i="0" u="none" strike="noStrike" cap="none" normalizeH="0" baseline="0" dirty="0">
+                <a:ln>
+                  <a:noFill/>
+                </a:ln>
+                <a:solidFill>
+                  <a:srgbClr val="0033B3"/>
+                </a:solidFill>
+                <a:effectLst/>
+                <a:latin typeface="JetBrains Mono"/>
+              </a:rPr>
+              <a:t>else</a:t>
+            </a:r>
+            <a:r>
+              <a:rPr kumimoji="0" lang="en-US" altLang="en-US" sz="1600" b="0" i="0" u="none" strike="noStrike" cap="none" normalizeH="0" baseline="0" dirty="0">
+                <a:ln>
+                  <a:noFill/>
+                </a:ln>
+                <a:solidFill>
+                  <a:srgbClr val="080808"/>
+                </a:solidFill>
+                <a:effectLst/>
+                <a:latin typeface="JetBrains Mono"/>
+              </a:rPr>
+              <a:t>:</a:t>
+            </a:r>
+            <a:br>
+              <a:rPr kumimoji="0" lang="en-US" altLang="en-US" sz="1600" b="0" i="0" u="none" strike="noStrike" cap="none" normalizeH="0" baseline="0" dirty="0">
+                <a:ln>
+                  <a:noFill/>
+                </a:ln>
+                <a:solidFill>
+                  <a:srgbClr val="080808"/>
+                </a:solidFill>
+                <a:effectLst/>
+                <a:latin typeface="JetBrains Mono"/>
+              </a:rPr>
+            </a:br>
+            <a:r>
+              <a:rPr kumimoji="0" lang="en-US" altLang="en-US" sz="1600" b="0" i="0" u="none" strike="noStrike" cap="none" normalizeH="0" baseline="0" dirty="0">
+                <a:ln>
+                  <a:noFill/>
+                </a:ln>
+                <a:solidFill>
+                  <a:srgbClr val="080808"/>
+                </a:solidFill>
+                <a:effectLst/>
+                <a:latin typeface="JetBrains Mono"/>
+              </a:rPr>
+              <a:t>    </a:t>
+            </a:r>
+            <a:r>
+              <a:rPr kumimoji="0" lang="en-US" altLang="en-US" sz="1600" b="0" i="0" u="none" strike="noStrike" cap="none" normalizeH="0" baseline="0" dirty="0">
+                <a:ln>
+                  <a:noFill/>
+                </a:ln>
+                <a:solidFill>
+                  <a:srgbClr val="000080"/>
+                </a:solidFill>
+                <a:effectLst/>
+                <a:latin typeface="JetBrains Mono"/>
+              </a:rPr>
+              <a:t>print</a:t>
+            </a:r>
+            <a:r>
+              <a:rPr kumimoji="0" lang="en-US" altLang="en-US" sz="1600" b="0" i="0" u="none" strike="noStrike" cap="none" normalizeH="0" baseline="0" dirty="0">
+                <a:ln>
+                  <a:noFill/>
+                </a:ln>
+                <a:solidFill>
+                  <a:srgbClr val="080808"/>
+                </a:solidFill>
+                <a:effectLst/>
+                <a:latin typeface="JetBrains Mono"/>
+              </a:rPr>
+              <a:t>(</a:t>
+            </a:r>
+            <a:r>
+              <a:rPr kumimoji="0" lang="en-US" altLang="en-US" sz="1600" b="1" i="0" u="none" strike="noStrike" cap="none" normalizeH="0" baseline="0" dirty="0">
+                <a:ln>
+                  <a:noFill/>
+                </a:ln>
+                <a:solidFill>
+                  <a:srgbClr val="008080"/>
+                </a:solidFill>
+                <a:effectLst/>
+                <a:latin typeface="JetBrains Mono"/>
+              </a:rPr>
+              <a:t>"this for loop ended properly"</a:t>
+            </a:r>
+            <a:r>
+              <a:rPr kumimoji="0" lang="en-US" altLang="en-US" sz="1600" b="0" i="0" u="none" strike="noStrike" cap="none" normalizeH="0" baseline="0" dirty="0">
+                <a:ln>
+                  <a:noFill/>
+                </a:ln>
+                <a:solidFill>
+                  <a:srgbClr val="080808"/>
+                </a:solidFill>
+                <a:effectLst/>
+                <a:latin typeface="JetBrains Mono"/>
+              </a:rPr>
+              <a:t>)</a:t>
+            </a:r>
+            <a:endParaRPr kumimoji="0" lang="en-US" altLang="en-US" sz="1600" b="0" i="0" u="none" strike="noStrike" cap="none" normalizeH="0" baseline="0" dirty="0">
+              <a:ln>
+                <a:noFill/>
+              </a:ln>
+              <a:solidFill>
+                <a:schemeClr val="tx1"/>
+              </a:solidFill>
+              <a:effectLst/>
+              <a:latin typeface="Arial" panose="020B0604020202020204" pitchFamily="34" charset="0"/>
+            </a:endParaRPr>
+          </a:p>
+        </p:txBody>
+      </p:sp>
+    </p:spTree>
+    <p:extLst>
+      <p:ext uri="{BB962C8B-B14F-4D97-AF65-F5344CB8AC3E}">
+        <p14:creationId xmlns:p14="http://schemas.microsoft.com/office/powerpoint/2010/main" val="3958706436"/>
+      </p:ext>
+    </p:extLst>
+  </p:cSld>
+  <p:clrMapOvr>
+    <a:masterClrMapping/>
+  </p:clrMapOvr>
+</p:sld>
+</file>
+
 <file path=ppt/slides/slide3.xml><?xml version="1.0" encoding="utf-8"?>
 <p:sld xmlns:a="http://schemas.openxmlformats.org/drawingml/2006/main" xmlns:r="http://schemas.openxmlformats.org/officeDocument/2006/relationships" xmlns:p="http://schemas.openxmlformats.org/presentationml/2006/main">
   <p:cSld>
@@ -5194,11 +8106,14 @@
         </p:nvSpPr>
         <p:spPr>
           <a:xfrm>
-            <a:off x="2500544" y="1518083"/>
+            <a:off x="2660341" y="1509206"/>
             <a:ext cx="3435659" cy="1740023"/>
           </a:xfrm>
           <a:prstGeom prst="cloudCallout">
-            <a:avLst/>
+            <a:avLst>
+              <a:gd name="adj1" fmla="val -32203"/>
+              <a:gd name="adj2" fmla="val 67602"/>
+            </a:avLst>
           </a:prstGeom>
         </p:spPr>
         <p:style>
@@ -6047,7 +8962,7 @@
           <p:cNvPr id="2" name="Title 1">
             <a:extLst>
               <a:ext uri="{FF2B5EF4-FFF2-40B4-BE49-F238E27FC236}">
-                <a16:creationId xmlns:a16="http://schemas.microsoft.com/office/drawing/2014/main" id="{90AC75EC-C179-41FA-9E35-2C2F79C45BC9}"/>
+                <a16:creationId xmlns:a16="http://schemas.microsoft.com/office/drawing/2014/main" id="{1E70160C-8CD2-48B1-9E54-4C8F1149E9F9}"/>
               </a:ext>
             </a:extLst>
           </p:cNvPr>
@@ -6058,14 +8973,21 @@
             <p:ph type="title"/>
           </p:nvPr>
         </p:nvSpPr>
-        <p:spPr/>
-        <p:txBody>
-          <a:bodyPr/>
-          <a:lstStyle/>
-          <a:p>
-            <a:r>
-              <a:rPr lang="en-US" dirty="0"/>
-              <a:t>Example:</a:t>
+        <p:spPr>
+          <a:xfrm>
+            <a:off x="838200" y="365126"/>
+            <a:ext cx="10515600" cy="315912"/>
+          </a:xfrm>
+        </p:spPr>
+        <p:txBody>
+          <a:bodyPr>
+            <a:normAutofit fontScale="90000"/>
+          </a:bodyPr>
+          <a:lstStyle/>
+          <a:p>
+            <a:r>
+              <a:rPr lang="en-US" dirty="0"/>
+              <a:t>Problem : </a:t>
             </a:r>
             <a:endParaRPr lang="en-IN" dirty="0"/>
           </a:p>
@@ -6076,7 +8998,7 @@
           <p:cNvPr id="3" name="Content Placeholder 2">
             <a:extLst>
               <a:ext uri="{FF2B5EF4-FFF2-40B4-BE49-F238E27FC236}">
-                <a16:creationId xmlns:a16="http://schemas.microsoft.com/office/drawing/2014/main" id="{F4F7B0EA-985B-45C0-BE8A-F02FC66BD7D4}"/>
+                <a16:creationId xmlns:a16="http://schemas.microsoft.com/office/drawing/2014/main" id="{E37E4DF5-301F-4D78-9C89-5AC86F0FCD62}"/>
               </a:ext>
             </a:extLst>
           </p:cNvPr>
@@ -6087,26 +9009,136 @@
             <p:ph idx="1"/>
           </p:nvPr>
         </p:nvSpPr>
-        <p:spPr/>
-        <p:txBody>
-          <a:bodyPr/>
-          <a:lstStyle/>
-          <a:p>
-            <a:pPr marL="0" indent="0">
-              <a:buNone/>
-            </a:pPr>
-            <a:r>
-              <a:rPr lang="en-US" dirty="0"/>
-              <a:t>#Print first 10 numbers</a:t>
-            </a:r>
-          </a:p>
-          <a:p>
-            <a:pPr marL="0" indent="0">
-              <a:buNone/>
-            </a:pPr>
-            <a:r>
-              <a:rPr lang="en-US" dirty="0"/>
-              <a:t> </a:t>
+        <p:spPr>
+          <a:xfrm>
+            <a:off x="763480" y="1136342"/>
+            <a:ext cx="10590320" cy="834501"/>
+          </a:xfrm>
+        </p:spPr>
+        <p:txBody>
+          <a:bodyPr>
+            <a:normAutofit lnSpcReduction="10000"/>
+          </a:bodyPr>
+          <a:lstStyle/>
+          <a:p>
+            <a:r>
+              <a:rPr lang="en-US" dirty="0"/>
+              <a:t>Store monthly expenses in a list and find out total expenses for all months.</a:t>
+            </a:r>
+            <a:endParaRPr lang="en-IN" dirty="0"/>
+          </a:p>
+        </p:txBody>
+      </p:sp>
+      <p:sp>
+        <p:nvSpPr>
+          <p:cNvPr id="5" name="TextBox 4">
+            <a:extLst>
+              <a:ext uri="{FF2B5EF4-FFF2-40B4-BE49-F238E27FC236}">
+                <a16:creationId xmlns:a16="http://schemas.microsoft.com/office/drawing/2014/main" id="{B28B3E0E-DD20-4F46-8224-AC195AB0D069}"/>
+              </a:ext>
+            </a:extLst>
+          </p:cNvPr>
+          <p:cNvSpPr txBox="1"/>
+          <p:nvPr/>
+        </p:nvSpPr>
+        <p:spPr>
+          <a:xfrm>
+            <a:off x="1191826" y="1970843"/>
+            <a:ext cx="6292050" cy="4247317"/>
+          </a:xfrm>
+          <a:prstGeom prst="rect">
+            <a:avLst/>
+          </a:prstGeom>
+          <a:noFill/>
+        </p:spPr>
+        <p:txBody>
+          <a:bodyPr wrap="square">
+            <a:spAutoFit/>
+          </a:bodyPr>
+          <a:lstStyle/>
+          <a:p>
+            <a:r>
+              <a:rPr lang="en-IN" dirty="0"/>
+              <a:t>exp=[2340,2500,2100,3100,2900,7800,6700]</a:t>
+            </a:r>
+          </a:p>
+          <a:p>
+            <a:r>
+              <a:rPr lang="en-IN" dirty="0"/>
+              <a:t># total = exp[0] + exp[1]+exp[2]+exp[3]+exp[4]+exp[5]+exp[6]</a:t>
+            </a:r>
+          </a:p>
+          <a:p>
+            <a:r>
+              <a:rPr lang="en-IN" dirty="0"/>
+              <a:t># print(total) </a:t>
+            </a:r>
+            <a:r>
+              <a:rPr lang="en-IN" dirty="0">
+                <a:solidFill>
+                  <a:srgbClr val="00B050"/>
+                </a:solidFill>
+              </a:rPr>
+              <a:t>#traditional way</a:t>
+            </a:r>
+          </a:p>
+          <a:p>
+            <a:r>
+              <a:rPr lang="en-IN" dirty="0">
+                <a:solidFill>
+                  <a:srgbClr val="FF0000"/>
+                </a:solidFill>
+              </a:rPr>
+              <a:t>#Using loop for faster result</a:t>
+            </a:r>
+          </a:p>
+          <a:p>
+            <a:r>
+              <a:rPr lang="en-IN" dirty="0"/>
+              <a:t>total =0</a:t>
+            </a:r>
+          </a:p>
+          <a:p>
+            <a:r>
+              <a:rPr lang="en-IN" dirty="0"/>
+              <a:t>for item in exp:</a:t>
+            </a:r>
+          </a:p>
+          <a:p>
+            <a:r>
+              <a:rPr lang="en-IN" dirty="0"/>
+              <a:t>    total +=item</a:t>
+            </a:r>
+          </a:p>
+          <a:p>
+            <a:r>
+              <a:rPr lang="en-IN" dirty="0"/>
+              <a:t>print(total)</a:t>
+            </a:r>
+          </a:p>
+          <a:p>
+            <a:endParaRPr lang="en-IN" dirty="0"/>
+          </a:p>
+          <a:p>
+            <a:r>
+              <a:rPr lang="en-US" dirty="0">
+                <a:solidFill>
+                  <a:srgbClr val="FF0000"/>
+                </a:solidFill>
+              </a:rPr>
+              <a:t>#Print month number and expense and then print total expense</a:t>
+            </a:r>
+          </a:p>
+          <a:p>
+            <a:r>
+              <a:rPr lang="en-US" dirty="0"/>
+              <a:t>total=0</a:t>
+            </a:r>
+          </a:p>
+          <a:p>
+            <a:r>
+              <a:rPr lang="en-US" dirty="0"/>
+              <a:t>for </a:t>
             </a:r>
             <a:r>
               <a:rPr lang="en-US" dirty="0" err="1"/>
@@ -6114,16 +9146,21 @@
             </a:r>
             <a:r>
               <a:rPr lang="en-US" dirty="0"/>
-              <a:t>=1</a:t>
-            </a:r>
-          </a:p>
-          <a:p>
-            <a:pPr marL="0" indent="0">
-              <a:buNone/>
-            </a:pPr>
-            <a:r>
-              <a:rPr lang="en-US" dirty="0"/>
-              <a:t> while (</a:t>
+              <a:t> in range(</a:t>
+            </a:r>
+            <a:r>
+              <a:rPr lang="en-US" dirty="0" err="1"/>
+              <a:t>len</a:t>
+            </a:r>
+            <a:r>
+              <a:rPr lang="en-US" dirty="0"/>
+              <a:t>(exp)):</a:t>
+            </a:r>
+          </a:p>
+          <a:p>
+            <a:r>
+              <a:rPr lang="en-US" dirty="0"/>
+              <a:t>    print('Month : ',(i+1),'Expense is : ',exp[</a:t>
             </a:r>
             <a:r>
               <a:rPr lang="en-US" dirty="0" err="1"/>
@@ -6131,16 +9168,13 @@
             </a:r>
             <a:r>
               <a:rPr lang="en-US" dirty="0"/>
-              <a:t>&lt;=10):</a:t>
-            </a:r>
-          </a:p>
-          <a:p>
-            <a:pPr marL="0" indent="0">
-              <a:buNone/>
-            </a:pPr>
-            <a:r>
-              <a:rPr lang="en-US" dirty="0"/>
-              <a:t>         print(</a:t>
+              <a:t>])</a:t>
+            </a:r>
+          </a:p>
+          <a:p>
+            <a:r>
+              <a:rPr lang="en-US" dirty="0"/>
+              <a:t>    total+=exp[</a:t>
             </a:r>
             <a:r>
               <a:rPr lang="en-US" dirty="0" err="1"/>
@@ -6148,32 +9182,177 @@
             </a:r>
             <a:r>
               <a:rPr lang="en-US" dirty="0"/>
-              <a:t>)</a:t>
-            </a:r>
-          </a:p>
-          <a:p>
-            <a:pPr marL="0" indent="0">
-              <a:buNone/>
-            </a:pPr>
-            <a:r>
-              <a:rPr lang="en-US" dirty="0"/>
-              <a:t>          </a:t>
+              <a:t>]</a:t>
+            </a:r>
+          </a:p>
+          <a:p>
+            <a:r>
+              <a:rPr lang="en-US" dirty="0"/>
+              <a:t>print(total)</a:t>
+            </a:r>
+            <a:endParaRPr lang="en-IN" dirty="0"/>
+          </a:p>
+        </p:txBody>
+      </p:sp>
+      <p:sp>
+        <p:nvSpPr>
+          <p:cNvPr id="4" name="TextBox 3">
+            <a:extLst>
+              <a:ext uri="{FF2B5EF4-FFF2-40B4-BE49-F238E27FC236}">
+                <a16:creationId xmlns:a16="http://schemas.microsoft.com/office/drawing/2014/main" id="{98850E56-E37F-41CC-979D-AE715548AEC4}"/>
+              </a:ext>
+            </a:extLst>
+          </p:cNvPr>
+          <p:cNvSpPr txBox="1"/>
+          <p:nvPr/>
+        </p:nvSpPr>
+        <p:spPr>
+          <a:xfrm>
+            <a:off x="8114666" y="2858610"/>
+            <a:ext cx="2608343" cy="1754326"/>
+          </a:xfrm>
+          <a:prstGeom prst="rect">
+            <a:avLst/>
+          </a:prstGeom>
+          <a:noFill/>
+        </p:spPr>
+        <p:txBody>
+          <a:bodyPr wrap="none" rtlCol="0">
+            <a:spAutoFit/>
+          </a:bodyPr>
+          <a:lstStyle/>
+          <a:p>
+            <a:r>
+              <a:rPr lang="en-US" b="1" dirty="0"/>
+              <a:t>//Using while loop:</a:t>
+            </a:r>
+          </a:p>
+          <a:p>
+            <a:r>
+              <a:rPr lang="en-US" dirty="0"/>
+              <a:t>total=0</a:t>
+            </a:r>
+          </a:p>
+          <a:p>
+            <a:r>
+              <a:rPr lang="en-US" dirty="0"/>
+              <a:t> while item &lt; </a:t>
             </a:r>
             <a:r>
               <a:rPr lang="en-US" dirty="0" err="1"/>
-              <a:t>i</a:t>
-            </a:r>
-            <a:r>
-              <a:rPr lang="en-US" dirty="0"/>
-              <a:t>=i+1 #or </a:t>
+              <a:t>len</a:t>
+            </a:r>
+            <a:r>
+              <a:rPr lang="en-US" dirty="0"/>
+              <a:t>(exp):</a:t>
+            </a:r>
+          </a:p>
+          <a:p>
+            <a:r>
+              <a:rPr lang="en-US" dirty="0"/>
+              <a:t>      print(exp[item])</a:t>
+            </a:r>
+          </a:p>
+          <a:p>
+            <a:r>
+              <a:rPr lang="en-US" dirty="0"/>
+              <a:t>      total = </a:t>
             </a:r>
             <a:r>
               <a:rPr lang="en-US" dirty="0" err="1"/>
-              <a:t>i</a:t>
-            </a:r>
-            <a:r>
-              <a:rPr lang="en-US" dirty="0"/>
-              <a:t>+=1</a:t>
+              <a:t>total+exp</a:t>
+            </a:r>
+            <a:r>
+              <a:rPr lang="en-US" dirty="0"/>
+              <a:t>[item]</a:t>
+            </a:r>
+          </a:p>
+          <a:p>
+            <a:r>
+              <a:rPr lang="en-US" dirty="0"/>
+              <a:t>      item+=1</a:t>
+            </a:r>
+            <a:endParaRPr lang="en-IN" dirty="0"/>
+          </a:p>
+        </p:txBody>
+      </p:sp>
+      <p:sp>
+        <p:nvSpPr>
+          <p:cNvPr id="6" name="Arrow: Right 5">
+            <a:extLst>
+              <a:ext uri="{FF2B5EF4-FFF2-40B4-BE49-F238E27FC236}">
+                <a16:creationId xmlns:a16="http://schemas.microsoft.com/office/drawing/2014/main" id="{7E151D0B-7EC8-41F0-9DAC-ECD0160A7A50}"/>
+              </a:ext>
+            </a:extLst>
+          </p:cNvPr>
+          <p:cNvSpPr/>
+          <p:nvPr/>
+        </p:nvSpPr>
+        <p:spPr>
+          <a:xfrm>
+            <a:off x="6241002" y="3630967"/>
+            <a:ext cx="1020932" cy="195309"/>
+          </a:xfrm>
+          <a:prstGeom prst="rightArrow">
+            <a:avLst/>
+          </a:prstGeom>
+        </p:spPr>
+        <p:style>
+          <a:lnRef idx="2">
+            <a:schemeClr val="accent1">
+              <a:shade val="50000"/>
+            </a:schemeClr>
+          </a:lnRef>
+          <a:fillRef idx="1">
+            <a:schemeClr val="accent1"/>
+          </a:fillRef>
+          <a:effectRef idx="0">
+            <a:schemeClr val="accent1"/>
+          </a:effectRef>
+          <a:fontRef idx="minor">
+            <a:schemeClr val="lt1"/>
+          </a:fontRef>
+        </p:style>
+        <p:txBody>
+          <a:bodyPr rtlCol="0" anchor="ctr"/>
+          <a:lstStyle/>
+          <a:p>
+            <a:pPr algn="ctr"/>
+            <a:endParaRPr lang="en-IN"/>
+          </a:p>
+        </p:txBody>
+      </p:sp>
+      <p:sp>
+        <p:nvSpPr>
+          <p:cNvPr id="7" name="TextBox 6">
+            <a:extLst>
+              <a:ext uri="{FF2B5EF4-FFF2-40B4-BE49-F238E27FC236}">
+                <a16:creationId xmlns:a16="http://schemas.microsoft.com/office/drawing/2014/main" id="{B4EC348C-100E-4B23-98E3-ACFD2D74C933}"/>
+              </a:ext>
+            </a:extLst>
+          </p:cNvPr>
+          <p:cNvSpPr txBox="1"/>
+          <p:nvPr/>
+        </p:nvSpPr>
+        <p:spPr>
+          <a:xfrm>
+            <a:off x="6551720" y="3401056"/>
+            <a:ext cx="461986" cy="369332"/>
+          </a:xfrm>
+          <a:prstGeom prst="rect">
+            <a:avLst/>
+          </a:prstGeom>
+          <a:noFill/>
+        </p:spPr>
+        <p:txBody>
+          <a:bodyPr wrap="none" rtlCol="0">
+            <a:spAutoFit/>
+          </a:bodyPr>
+          <a:lstStyle/>
+          <a:p>
+            <a:r>
+              <a:rPr lang="en-US" dirty="0"/>
+              <a:t>OR</a:t>
             </a:r>
             <a:endParaRPr lang="en-IN" dirty="0"/>
           </a:p>
@@ -6182,7 +9361,7 @@
     </p:spTree>
     <p:extLst>
       <p:ext uri="{BB962C8B-B14F-4D97-AF65-F5344CB8AC3E}">
-        <p14:creationId xmlns:p14="http://schemas.microsoft.com/office/powerpoint/2010/main" val="3834176097"/>
+        <p14:creationId xmlns:p14="http://schemas.microsoft.com/office/powerpoint/2010/main" val="2514149494"/>
       </p:ext>
     </p:extLst>
   </p:cSld>
@@ -6214,7 +9393,7 @@
           <p:cNvPr id="2" name="Title 1">
             <a:extLst>
               <a:ext uri="{FF2B5EF4-FFF2-40B4-BE49-F238E27FC236}">
-                <a16:creationId xmlns:a16="http://schemas.microsoft.com/office/drawing/2014/main" id="{7585DAB5-5EEA-4626-BEF6-72BD3ECA6937}"/>
+                <a16:creationId xmlns:a16="http://schemas.microsoft.com/office/drawing/2014/main" id="{90AC75EC-C179-41FA-9E35-2C2F79C45BC9}"/>
               </a:ext>
             </a:extLst>
           </p:cNvPr>
@@ -6243,7 +9422,7 @@
           <p:cNvPr id="3" name="Content Placeholder 2">
             <a:extLst>
               <a:ext uri="{FF2B5EF4-FFF2-40B4-BE49-F238E27FC236}">
-                <a16:creationId xmlns:a16="http://schemas.microsoft.com/office/drawing/2014/main" id="{D72E0D8C-66E2-4938-893B-1D602526605E}"/>
+                <a16:creationId xmlns:a16="http://schemas.microsoft.com/office/drawing/2014/main" id="{F4F7B0EA-985B-45C0-BE8A-F02FC66BD7D4}"/>
               </a:ext>
             </a:extLst>
           </p:cNvPr>
@@ -6256,19 +9435,156 @@
         </p:nvSpPr>
         <p:spPr>
           <a:xfrm>
-            <a:off x="838200" y="1606858"/>
-            <a:ext cx="10515600" cy="4570105"/>
+            <a:off x="1086775" y="1690688"/>
+            <a:ext cx="3468949" cy="2480045"/>
           </a:xfrm>
         </p:spPr>
         <p:txBody>
-          <a:bodyPr/>
-          <a:lstStyle/>
-          <a:p>
-            <a:pPr marL="0" indent="0">
-              <a:buNone/>
-            </a:pPr>
-            <a:r>
-              <a:rPr lang="en-US" dirty="0"/>
+          <a:bodyPr>
+            <a:normAutofit/>
+          </a:bodyPr>
+          <a:lstStyle/>
+          <a:p>
+            <a:pPr marL="0" indent="0">
+              <a:buNone/>
+            </a:pPr>
+            <a:r>
+              <a:rPr lang="en-US" sz="2400" b="1" dirty="0"/>
+              <a:t>#Print first 10 numbers</a:t>
+            </a:r>
+          </a:p>
+          <a:p>
+            <a:pPr marL="0" indent="0">
+              <a:buNone/>
+            </a:pPr>
+            <a:r>
+              <a:rPr lang="en-US" sz="2000" dirty="0"/>
+              <a:t> </a:t>
+            </a:r>
+            <a:r>
+              <a:rPr lang="en-US" sz="2000" dirty="0" err="1"/>
+              <a:t>i</a:t>
+            </a:r>
+            <a:r>
+              <a:rPr lang="en-US" sz="2000" dirty="0"/>
+              <a:t>=1</a:t>
+            </a:r>
+          </a:p>
+          <a:p>
+            <a:pPr marL="0" indent="0">
+              <a:buNone/>
+            </a:pPr>
+            <a:r>
+              <a:rPr lang="en-US" sz="2000" dirty="0"/>
+              <a:t> while (</a:t>
+            </a:r>
+            <a:r>
+              <a:rPr lang="en-US" sz="2000" dirty="0" err="1"/>
+              <a:t>i</a:t>
+            </a:r>
+            <a:r>
+              <a:rPr lang="en-US" sz="2000" dirty="0"/>
+              <a:t>&lt;=10):</a:t>
+            </a:r>
+          </a:p>
+          <a:p>
+            <a:pPr marL="0" indent="0">
+              <a:buNone/>
+            </a:pPr>
+            <a:r>
+              <a:rPr lang="en-US" sz="2000" dirty="0"/>
+              <a:t>         print(</a:t>
+            </a:r>
+            <a:r>
+              <a:rPr lang="en-US" sz="2000" dirty="0" err="1"/>
+              <a:t>i</a:t>
+            </a:r>
+            <a:r>
+              <a:rPr lang="en-US" sz="2000" dirty="0"/>
+              <a:t>, end=“ “)</a:t>
+            </a:r>
+          </a:p>
+          <a:p>
+            <a:pPr marL="0" indent="0">
+              <a:buNone/>
+            </a:pPr>
+            <a:r>
+              <a:rPr lang="en-US" sz="2000" dirty="0"/>
+              <a:t>          </a:t>
+            </a:r>
+            <a:r>
+              <a:rPr lang="en-US" sz="2000" dirty="0" err="1"/>
+              <a:t>i</a:t>
+            </a:r>
+            <a:r>
+              <a:rPr lang="en-US" sz="2000" dirty="0"/>
+              <a:t>=i+1 </a:t>
+            </a:r>
+            <a:r>
+              <a:rPr lang="en-US" sz="2000" dirty="0">
+                <a:solidFill>
+                  <a:srgbClr val="FF0000"/>
+                </a:solidFill>
+              </a:rPr>
+              <a:t>#or </a:t>
+            </a:r>
+            <a:r>
+              <a:rPr lang="en-US" sz="2000" dirty="0" err="1">
+                <a:solidFill>
+                  <a:srgbClr val="FF0000"/>
+                </a:solidFill>
+              </a:rPr>
+              <a:t>i</a:t>
+            </a:r>
+            <a:r>
+              <a:rPr lang="en-US" sz="2000" dirty="0">
+                <a:solidFill>
+                  <a:srgbClr val="FF0000"/>
+                </a:solidFill>
+              </a:rPr>
+              <a:t>+=1</a:t>
+            </a:r>
+            <a:endParaRPr lang="en-IN" sz="2000" dirty="0">
+              <a:solidFill>
+                <a:srgbClr val="FF0000"/>
+              </a:solidFill>
+            </a:endParaRPr>
+          </a:p>
+        </p:txBody>
+      </p:sp>
+      <p:sp>
+        <p:nvSpPr>
+          <p:cNvPr id="5" name="TextBox 4">
+            <a:extLst>
+              <a:ext uri="{FF2B5EF4-FFF2-40B4-BE49-F238E27FC236}">
+                <a16:creationId xmlns:a16="http://schemas.microsoft.com/office/drawing/2014/main" id="{63DF9C94-BAF5-49E4-A849-FC9B16B14B24}"/>
+              </a:ext>
+            </a:extLst>
+          </p:cNvPr>
+          <p:cNvSpPr txBox="1"/>
+          <p:nvPr/>
+        </p:nvSpPr>
+        <p:spPr>
+          <a:xfrm>
+            <a:off x="6802515" y="1740145"/>
+            <a:ext cx="4809476" cy="1846659"/>
+          </a:xfrm>
+          <a:prstGeom prst="rect">
+            <a:avLst/>
+          </a:prstGeom>
+          <a:noFill/>
+        </p:spPr>
+        <p:txBody>
+          <a:bodyPr wrap="square">
+            <a:spAutoFit/>
+          </a:bodyPr>
+          <a:lstStyle/>
+          <a:p>
+            <a:pPr marL="0" indent="0">
+              <a:buNone/>
+            </a:pPr>
+            <a:r>
+              <a:rPr lang="en-US" sz="2400" b="1" dirty="0"/>
               <a:t>#Print  multiplication table of 2. </a:t>
             </a:r>
           </a:p>
@@ -6356,10 +9672,46 @@
           </a:p>
         </p:txBody>
       </p:sp>
+      <p:cxnSp>
+        <p:nvCxnSpPr>
+          <p:cNvPr id="6" name="Straight Connector 5">
+            <a:extLst>
+              <a:ext uri="{FF2B5EF4-FFF2-40B4-BE49-F238E27FC236}">
+                <a16:creationId xmlns:a16="http://schemas.microsoft.com/office/drawing/2014/main" id="{F39075D1-00A5-4FF6-BF80-62BD94AE66CD}"/>
+              </a:ext>
+            </a:extLst>
+          </p:cNvPr>
+          <p:cNvCxnSpPr/>
+          <p:nvPr/>
+        </p:nvCxnSpPr>
+        <p:spPr>
+          <a:xfrm>
+            <a:off x="5655076" y="248575"/>
+            <a:ext cx="0" cy="6223246"/>
+          </a:xfrm>
+          <a:prstGeom prst="line">
+            <a:avLst/>
+          </a:prstGeom>
+        </p:spPr>
+        <p:style>
+          <a:lnRef idx="1">
+            <a:schemeClr val="dk1"/>
+          </a:lnRef>
+          <a:fillRef idx="0">
+            <a:schemeClr val="dk1"/>
+          </a:fillRef>
+          <a:effectRef idx="0">
+            <a:schemeClr val="dk1"/>
+          </a:effectRef>
+          <a:fontRef idx="minor">
+            <a:schemeClr val="tx1"/>
+          </a:fontRef>
+        </p:style>
+      </p:cxnSp>
     </p:spTree>
     <p:extLst>
       <p:ext uri="{BB962C8B-B14F-4D97-AF65-F5344CB8AC3E}">
-        <p14:creationId xmlns:p14="http://schemas.microsoft.com/office/powerpoint/2010/main" val="3389101033"/>
+        <p14:creationId xmlns:p14="http://schemas.microsoft.com/office/powerpoint/2010/main" val="3834176097"/>
       </p:ext>
     </p:extLst>
   </p:cSld>
@@ -6426,24 +9778,28 @@
             </a:pPr>
             <a:r>
               <a:rPr lang="en-US" dirty="0"/>
-              <a:t> num=1</a:t>
-            </a:r>
-          </a:p>
-          <a:p>
-            <a:pPr marL="0" indent="0">
-              <a:buNone/>
-            </a:pPr>
-            <a:r>
-              <a:rPr lang="en-US" dirty="0"/>
-              <a:t>Sum=0</a:t>
-            </a:r>
-          </a:p>
-          <a:p>
-            <a:pPr marL="0" indent="0">
-              <a:buNone/>
-            </a:pPr>
-            <a:r>
-              <a:rPr lang="en-US" dirty="0"/>
+              <a:t> </a:t>
+            </a:r>
+            <a:r>
+              <a:rPr lang="en-US" sz="2000" dirty="0"/>
+              <a:t>num=1</a:t>
+            </a:r>
+          </a:p>
+          <a:p>
+            <a:pPr marL="0" indent="0">
+              <a:buNone/>
+            </a:pPr>
+            <a:r>
+              <a:rPr lang="en-US" sz="2000" dirty="0"/>
+              <a:t>sum=0</a:t>
+            </a:r>
+          </a:p>
+          <a:p>
+            <a:pPr marL="0" indent="0">
+              <a:buNone/>
+            </a:pPr>
+            <a:r>
+              <a:rPr lang="en-US" sz="2000" dirty="0"/>
               <a:t>Print(“Enter a Number. Please Enter zero(0) to exit:”)</a:t>
             </a:r>
           </a:p>
@@ -6452,15 +9808,15 @@
               <a:buNone/>
             </a:pPr>
             <a:r>
-              <a:rPr lang="en-US" dirty="0"/>
+              <a:rPr lang="en-US" sz="2000" dirty="0"/>
               <a:t> </a:t>
             </a:r>
             <a:r>
-              <a:rPr lang="en-US" b="1" dirty="0"/>
+              <a:rPr lang="en-US" sz="2000" b="1" dirty="0"/>
               <a:t>while</a:t>
             </a:r>
             <a:r>
-              <a:rPr lang="en-US" dirty="0"/>
+              <a:rPr lang="en-US" sz="2000" dirty="0"/>
               <a:t> num!=0:</a:t>
             </a:r>
           </a:p>
@@ -6469,38 +9825,38 @@
               <a:buNone/>
             </a:pPr>
             <a:r>
-              <a:rPr lang="en-US" dirty="0"/>
-              <a:t>        num=int(input(“Number:?”)</a:t>
-            </a:r>
-          </a:p>
-          <a:p>
-            <a:pPr marL="0" indent="0">
-              <a:buNone/>
-            </a:pPr>
-            <a:r>
-              <a:rPr lang="en-US" dirty="0"/>
+              <a:rPr lang="en-US" sz="2000" dirty="0"/>
+              <a:t>        num=int(input(“Enter Number:?”)</a:t>
+            </a:r>
+          </a:p>
+          <a:p>
+            <a:pPr marL="0" indent="0">
+              <a:buNone/>
+            </a:pPr>
+            <a:r>
+              <a:rPr lang="en-US" sz="2000" dirty="0"/>
               <a:t>        sum=</a:t>
             </a:r>
             <a:r>
-              <a:rPr lang="en-US" dirty="0" err="1"/>
+              <a:rPr lang="en-US" sz="2000" dirty="0" err="1"/>
               <a:t>sum+num</a:t>
             </a:r>
-            <a:endParaRPr lang="en-US" dirty="0"/>
-          </a:p>
-          <a:p>
-            <a:pPr marL="0" indent="0">
-              <a:buNone/>
-            </a:pPr>
-            <a:r>
-              <a:rPr lang="en-US" dirty="0"/>
+            <a:endParaRPr lang="en-US" sz="2000" dirty="0"/>
+          </a:p>
+          <a:p>
+            <a:pPr marL="0" indent="0">
+              <a:buNone/>
+            </a:pPr>
+            <a:r>
+              <a:rPr lang="en-US" sz="2000" dirty="0"/>
               <a:t> print(“Sum </a:t>
             </a:r>
             <a:r>
-              <a:rPr lang="en-US" dirty="0" err="1"/>
+              <a:rPr lang="en-US" sz="2000" dirty="0" err="1"/>
               <a:t>is:”,sum</a:t>
             </a:r>
             <a:r>
-              <a:rPr lang="en-US" dirty="0"/>
+              <a:rPr lang="en-US" sz="2000" dirty="0"/>
               <a:t>)</a:t>
             </a:r>
           </a:p>
@@ -6509,15 +9865,15 @@
               <a:buNone/>
             </a:pPr>
             <a:r>
-              <a:rPr lang="en-US" dirty="0"/>
+              <a:rPr lang="en-US" sz="2000" dirty="0"/>
               <a:t> </a:t>
             </a:r>
             <a:r>
-              <a:rPr lang="en-US" b="1" dirty="0"/>
+              <a:rPr lang="en-US" sz="2000" b="1" dirty="0"/>
               <a:t>else</a:t>
             </a:r>
             <a:r>
-              <a:rPr lang="en-US" dirty="0"/>
+              <a:rPr lang="en-US" sz="2000" dirty="0"/>
               <a:t>:</a:t>
             </a:r>
           </a:p>
@@ -6526,10 +9882,10 @@
               <a:buNone/>
             </a:pPr>
             <a:r>
-              <a:rPr lang="en-US" dirty="0"/>
+              <a:rPr lang="en-US" sz="2000" dirty="0"/>
               <a:t>      print(“Finished sum”)</a:t>
             </a:r>
-            <a:endParaRPr lang="en-IN" dirty="0"/>
+            <a:endParaRPr lang="en-IN" sz="2000" dirty="0"/>
           </a:p>
         </p:txBody>
       </p:sp>
@@ -6585,10 +9941,10 @@
           <a:lstStyle/>
           <a:p>
             <a:r>
-              <a:rPr lang="en-US" b="1" dirty="0"/>
+              <a:rPr lang="en-US" dirty="0"/>
               <a:t>While Loop with List</a:t>
             </a:r>
-            <a:endParaRPr lang="en-IN" b="1" dirty="0"/>
+            <a:endParaRPr lang="en-IN" dirty="0"/>
           </a:p>
         </p:txBody>
       </p:sp>
@@ -6610,14 +9966,16 @@
         </p:nvSpPr>
         <p:spPr/>
         <p:txBody>
-          <a:bodyPr/>
-          <a:lstStyle/>
-          <a:p>
-            <a:pPr marL="0" indent="0">
-              <a:buNone/>
-            </a:pPr>
-            <a:r>
-              <a:rPr lang="en-US" b="1" dirty="0"/>
+          <a:bodyPr>
+            <a:normAutofit/>
+          </a:bodyPr>
+          <a:lstStyle/>
+          <a:p>
+            <a:pPr marL="0" indent="0">
+              <a:buNone/>
+            </a:pPr>
+            <a:r>
+              <a:rPr lang="en-US" sz="2400" b="1" dirty="0"/>
               <a:t>#while with List</a:t>
             </a:r>
           </a:p>
@@ -6626,7 +9984,7 @@
               <a:buNone/>
             </a:pPr>
             <a:r>
-              <a:rPr lang="en-US" dirty="0"/>
+              <a:rPr lang="en-US" sz="2400" dirty="0"/>
               <a:t> l1=[1,2,3,4,5]</a:t>
             </a:r>
           </a:p>
@@ -6635,15 +9993,15 @@
               <a:buNone/>
             </a:pPr>
             <a:r>
-              <a:rPr lang="en-US" dirty="0"/>
+              <a:rPr lang="en-US" sz="2400" dirty="0"/>
               <a:t> </a:t>
             </a:r>
             <a:r>
-              <a:rPr lang="en-US" dirty="0" err="1"/>
+              <a:rPr lang="en-US" sz="2400" dirty="0" err="1"/>
               <a:t>i</a:t>
             </a:r>
             <a:r>
-              <a:rPr lang="en-US" dirty="0"/>
+              <a:rPr lang="en-US" sz="2400" dirty="0"/>
               <a:t>=0</a:t>
             </a:r>
           </a:p>
@@ -6652,23 +10010,23 @@
               <a:buNone/>
             </a:pPr>
             <a:r>
-              <a:rPr lang="en-US" dirty="0"/>
+              <a:rPr lang="en-US" sz="2400" dirty="0"/>
               <a:t> while </a:t>
             </a:r>
             <a:r>
-              <a:rPr lang="en-US" dirty="0" err="1"/>
+              <a:rPr lang="en-US" sz="2400" dirty="0" err="1"/>
               <a:t>i</a:t>
             </a:r>
             <a:r>
-              <a:rPr lang="en-US" dirty="0"/>
+              <a:rPr lang="en-US" sz="2400" dirty="0"/>
               <a:t>&lt;</a:t>
             </a:r>
             <a:r>
-              <a:rPr lang="en-US" dirty="0" err="1"/>
+              <a:rPr lang="en-US" sz="2400" dirty="0" err="1"/>
               <a:t>len</a:t>
             </a:r>
             <a:r>
-              <a:rPr lang="en-US" dirty="0"/>
+              <a:rPr lang="en-US" sz="2400" dirty="0"/>
               <a:t>(l1):</a:t>
             </a:r>
           </a:p>
@@ -6677,23 +10035,23 @@
               <a:buNone/>
             </a:pPr>
             <a:r>
-              <a:rPr lang="en-US" dirty="0"/>
+              <a:rPr lang="en-US" sz="2400" dirty="0"/>
               <a:t>           l1[</a:t>
             </a:r>
             <a:r>
-              <a:rPr lang="en-US" dirty="0" err="1"/>
+              <a:rPr lang="en-US" sz="2400" dirty="0" err="1"/>
               <a:t>i</a:t>
             </a:r>
             <a:r>
-              <a:rPr lang="en-US" dirty="0"/>
+              <a:rPr lang="en-US" sz="2400" dirty="0"/>
               <a:t>]=l1[</a:t>
             </a:r>
             <a:r>
-              <a:rPr lang="en-US" dirty="0" err="1"/>
+              <a:rPr lang="en-US" sz="2400" dirty="0" err="1"/>
               <a:t>i</a:t>
             </a:r>
             <a:r>
-              <a:rPr lang="en-US" dirty="0"/>
+              <a:rPr lang="en-US" sz="2400" dirty="0"/>
               <a:t>]+100</a:t>
             </a:r>
           </a:p>
@@ -6702,18 +10060,18 @@
               <a:buNone/>
             </a:pPr>
             <a:r>
-              <a:rPr lang="en-US" dirty="0"/>
+              <a:rPr lang="en-US" sz="2400" dirty="0"/>
               <a:t>           </a:t>
             </a:r>
             <a:r>
-              <a:rPr lang="en-US" dirty="0" err="1"/>
+              <a:rPr lang="en-US" sz="2400" dirty="0" err="1"/>
               <a:t>i</a:t>
             </a:r>
             <a:r>
-              <a:rPr lang="en-US" dirty="0"/>
+              <a:rPr lang="en-US" sz="2400" dirty="0"/>
               <a:t>=i+1</a:t>
             </a:r>
-            <a:endParaRPr lang="en-IN" dirty="0"/>
+            <a:endParaRPr lang="en-IN" sz="2400" dirty="0"/>
           </a:p>
         </p:txBody>
       </p:sp>
